--- a/Other/Project Review - Chapter  2 Episode 1.pptx
+++ b/Other/Project Review - Chapter  2 Episode 1.pptx
@@ -13,10 +13,10 @@
   <p:sldIdLst>
     <p:sldId id="324" r:id="rId5"/>
     <p:sldId id="302" r:id="rId6"/>
-    <p:sldId id="315" r:id="rId7"/>
-    <p:sldId id="314" r:id="rId8"/>
-    <p:sldId id="325" r:id="rId9"/>
-    <p:sldId id="312" r:id="rId10"/>
+    <p:sldId id="314" r:id="rId7"/>
+    <p:sldId id="315" r:id="rId8"/>
+    <p:sldId id="312" r:id="rId9"/>
+    <p:sldId id="325" r:id="rId10"/>
     <p:sldId id="313" r:id="rId11"/>
   </p:sldIdLst>
   <p:sldSz cx="12192000" cy="6858000"/>
@@ -247,7 +247,7 @@
           <a:p>
             <a:fld id="{EF1077DB-935E-4A0A-947A-D283B9F9F452}" type="datetimeFigureOut">
               <a:rPr lang="en-US" smtClean="0"/>
-              <a:t>4/1/2022</a:t>
+              <a:t>4/2/2022</a:t>
             </a:fld>
             <a:endParaRPr lang="en-US" dirty="0"/>
           </a:p>
@@ -424,7 +424,7 @@
           <a:p>
             <a:fld id="{2D9EC30E-1A71-4188-9BE7-E2A64929A436}" type="datetimeFigureOut">
               <a:rPr lang="en-US" noProof="0" smtClean="0"/>
-              <a:t>4/1/2022</a:t>
+              <a:t>4/2/2022</a:t>
             </a:fld>
             <a:endParaRPr lang="en-US" noProof="0" dirty="0"/>
           </a:p>
@@ -903,7 +903,7 @@
           <a:bodyPr/>
           <a:lstStyle/>
           <a:p>
-            <a:endParaRPr lang="en-IN"/>
+            <a:endParaRPr lang="en-US" dirty="0"/>
           </a:p>
         </p:txBody>
       </p:sp>
@@ -933,7 +933,7 @@
     </p:spTree>
     <p:extLst>
       <p:ext uri="{BB962C8B-B14F-4D97-AF65-F5344CB8AC3E}">
-        <p14:creationId xmlns:p14="http://schemas.microsoft.com/office/powerpoint/2010/main" val="2551792098"/>
+        <p14:creationId xmlns:p14="http://schemas.microsoft.com/office/powerpoint/2010/main" val="4165856238"/>
       </p:ext>
     </p:extLst>
   </p:cSld>
@@ -987,7 +987,7 @@
           <a:bodyPr/>
           <a:lstStyle/>
           <a:p>
-            <a:endParaRPr lang="en-US" dirty="0"/>
+            <a:endParaRPr lang="en-IN"/>
           </a:p>
         </p:txBody>
       </p:sp>
@@ -1017,7 +1017,7 @@
     </p:spTree>
     <p:extLst>
       <p:ext uri="{BB962C8B-B14F-4D97-AF65-F5344CB8AC3E}">
-        <p14:creationId xmlns:p14="http://schemas.microsoft.com/office/powerpoint/2010/main" val="4165856238"/>
+        <p14:creationId xmlns:p14="http://schemas.microsoft.com/office/powerpoint/2010/main" val="2551792098"/>
       </p:ext>
     </p:extLst>
   </p:cSld>
@@ -1092,7 +1092,7 @@
           <a:p>
             <a:fld id="{8530193B-564F-4854-8A52-728F3FB19C85}" type="slidenum">
               <a:rPr lang="en-US" noProof="0" smtClean="0"/>
-              <a:t>6</a:t>
+              <a:t>5</a:t>
             </a:fld>
             <a:endParaRPr lang="en-US" noProof="0" dirty="0"/>
           </a:p>
@@ -1102,6 +1102,90 @@
     <p:extLst>
       <p:ext uri="{BB962C8B-B14F-4D97-AF65-F5344CB8AC3E}">
         <p14:creationId xmlns:p14="http://schemas.microsoft.com/office/powerpoint/2010/main" val="3397440489"/>
+      </p:ext>
+    </p:extLst>
+  </p:cSld>
+  <p:clrMapOvr>
+    <a:masterClrMapping/>
+  </p:clrMapOvr>
+</p:notes>
+</file>
+
+<file path=ppt/notesSlides/notesSlide6.xml><?xml version="1.0" encoding="utf-8"?>
+<p:notes xmlns:a="http://schemas.openxmlformats.org/drawingml/2006/main" xmlns:r="http://schemas.openxmlformats.org/officeDocument/2006/relationships" xmlns:p="http://schemas.openxmlformats.org/presentationml/2006/main">
+  <p:cSld>
+    <p:spTree>
+      <p:nvGrpSpPr>
+        <p:cNvPr id="1" name=""/>
+        <p:cNvGrpSpPr/>
+        <p:nvPr/>
+      </p:nvGrpSpPr>
+      <p:grpSpPr>
+        <a:xfrm>
+          <a:off x="0" y="0"/>
+          <a:ext cx="0" cy="0"/>
+          <a:chOff x="0" y="0"/>
+          <a:chExt cx="0" cy="0"/>
+        </a:xfrm>
+      </p:grpSpPr>
+      <p:sp>
+        <p:nvSpPr>
+          <p:cNvPr id="2" name="Slide Image Placeholder 1"/>
+          <p:cNvSpPr>
+            <a:spLocks noGrp="1" noRot="1" noChangeAspect="1"/>
+          </p:cNvSpPr>
+          <p:nvPr>
+            <p:ph type="sldImg"/>
+          </p:nvPr>
+        </p:nvSpPr>
+        <p:spPr/>
+      </p:sp>
+      <p:sp>
+        <p:nvSpPr>
+          <p:cNvPr id="3" name="Notes Placeholder 2"/>
+          <p:cNvSpPr>
+            <a:spLocks noGrp="1"/>
+          </p:cNvSpPr>
+          <p:nvPr>
+            <p:ph type="body" idx="1"/>
+          </p:nvPr>
+        </p:nvSpPr>
+        <p:spPr/>
+        <p:txBody>
+          <a:bodyPr/>
+          <a:lstStyle/>
+          <a:p>
+            <a:endParaRPr lang="en-IN"/>
+          </a:p>
+        </p:txBody>
+      </p:sp>
+      <p:sp>
+        <p:nvSpPr>
+          <p:cNvPr id="4" name="Slide Number Placeholder 3"/>
+          <p:cNvSpPr>
+            <a:spLocks noGrp="1"/>
+          </p:cNvSpPr>
+          <p:nvPr>
+            <p:ph type="sldNum" sz="quarter" idx="5"/>
+          </p:nvPr>
+        </p:nvSpPr>
+        <p:spPr/>
+        <p:txBody>
+          <a:bodyPr/>
+          <a:lstStyle/>
+          <a:p>
+            <a:fld id="{8530193B-564F-4854-8A52-728F3FB19C85}" type="slidenum">
+              <a:rPr lang="en-US" noProof="0" smtClean="0"/>
+              <a:t>6</a:t>
+            </a:fld>
+            <a:endParaRPr lang="en-US" noProof="0" dirty="0"/>
+          </a:p>
+        </p:txBody>
+      </p:sp>
+    </p:spTree>
+    <p:extLst>
+      <p:ext uri="{BB962C8B-B14F-4D97-AF65-F5344CB8AC3E}">
+        <p14:creationId xmlns:p14="http://schemas.microsoft.com/office/powerpoint/2010/main" val="1305928559"/>
       </p:ext>
     </p:extLst>
   </p:cSld>
@@ -9169,15 +9253,6 @@
           <a:sp3d prstMaterial="translucentPowder">
             <a:bevelT w="203200" h="50800" prst="softRound"/>
           </a:sp3d>
-          <a:extLst>
-            <a:ext uri="{909E8E84-426E-40DD-AFC4-6F175D3DCCD1}">
-              <a14:hiddenFill xmlns:a14="http://schemas.microsoft.com/office/drawing/2010/main">
-                <a:solidFill>
-                  <a:srgbClr val="FFFFFF"/>
-                </a:solidFill>
-              </a14:hiddenFill>
-            </a:ext>
-          </a:extLst>
         </p:spPr>
       </p:pic>
     </p:spTree>
@@ -9194,6 +9269,1321 @@
 </file>
 
 <file path=ppt/slides/slide3.xml><?xml version="1.0" encoding="utf-8"?>
+<p:sld xmlns:a="http://schemas.openxmlformats.org/drawingml/2006/main" xmlns:r="http://schemas.openxmlformats.org/officeDocument/2006/relationships" xmlns:p="http://schemas.openxmlformats.org/presentationml/2006/main">
+  <p:cSld>
+    <p:spTree>
+      <p:nvGrpSpPr>
+        <p:cNvPr id="1" name=""/>
+        <p:cNvGrpSpPr/>
+        <p:nvPr/>
+      </p:nvGrpSpPr>
+      <p:grpSpPr>
+        <a:xfrm>
+          <a:off x="0" y="0"/>
+          <a:ext cx="0" cy="0"/>
+          <a:chOff x="0" y="0"/>
+          <a:chExt cx="0" cy="0"/>
+        </a:xfrm>
+      </p:grpSpPr>
+      <p:sp>
+        <p:nvSpPr>
+          <p:cNvPr id="20" name="Hexagon 19">
+            <a:extLst>
+              <a:ext uri="{FF2B5EF4-FFF2-40B4-BE49-F238E27FC236}">
+                <a16:creationId xmlns:a16="http://schemas.microsoft.com/office/drawing/2014/main" id="{184F3FD5-57F6-429C-8A79-BC3E161F9645}"/>
+              </a:ext>
+              <a:ext uri="{C183D7F6-B498-43B3-948B-1728B52AA6E4}">
+                <adec:decorative xmlns:adec="http://schemas.microsoft.com/office/drawing/2017/decorative" val="1"/>
+              </a:ext>
+            </a:extLst>
+          </p:cNvPr>
+          <p:cNvSpPr/>
+          <p:nvPr/>
+        </p:nvSpPr>
+        <p:spPr>
+          <a:xfrm>
+            <a:off x="878993" y="1279542"/>
+            <a:ext cx="2481111" cy="604157"/>
+          </a:xfrm>
+          <a:prstGeom prst="hexagon">
+            <a:avLst/>
+          </a:prstGeom>
+          <a:solidFill>
+            <a:schemeClr val="tx2"/>
+          </a:solidFill>
+          <a:ln>
+            <a:noFill/>
+          </a:ln>
+        </p:spPr>
+        <p:style>
+          <a:lnRef idx="2">
+            <a:schemeClr val="accent1">
+              <a:shade val="50000"/>
+            </a:schemeClr>
+          </a:lnRef>
+          <a:fillRef idx="1">
+            <a:schemeClr val="accent1"/>
+          </a:fillRef>
+          <a:effectRef idx="0">
+            <a:schemeClr val="accent1"/>
+          </a:effectRef>
+          <a:fontRef idx="minor">
+            <a:schemeClr val="lt1"/>
+          </a:fontRef>
+        </p:style>
+        <p:txBody>
+          <a:bodyPr rtlCol="0" anchor="ctr"/>
+          <a:lstStyle/>
+          <a:p>
+            <a:pPr algn="ctr"/>
+            <a:endParaRPr lang="en-US" dirty="0">
+              <a:latin typeface="+mj-lt"/>
+            </a:endParaRPr>
+          </a:p>
+        </p:txBody>
+      </p:sp>
+      <p:sp>
+        <p:nvSpPr>
+          <p:cNvPr id="28" name="Hexagon 27">
+            <a:extLst>
+              <a:ext uri="{FF2B5EF4-FFF2-40B4-BE49-F238E27FC236}">
+                <a16:creationId xmlns:a16="http://schemas.microsoft.com/office/drawing/2014/main" id="{9A460E96-6DE9-4695-B9AA-33D872B9AE91}"/>
+              </a:ext>
+              <a:ext uri="{C183D7F6-B498-43B3-948B-1728B52AA6E4}">
+                <adec:decorative xmlns:adec="http://schemas.microsoft.com/office/drawing/2017/decorative" val="1"/>
+              </a:ext>
+            </a:extLst>
+          </p:cNvPr>
+          <p:cNvSpPr/>
+          <p:nvPr/>
+        </p:nvSpPr>
+        <p:spPr>
+          <a:xfrm>
+            <a:off x="3604788" y="1279542"/>
+            <a:ext cx="2491212" cy="604157"/>
+          </a:xfrm>
+          <a:prstGeom prst="hexagon">
+            <a:avLst/>
+          </a:prstGeom>
+          <a:solidFill>
+            <a:schemeClr val="accent1"/>
+          </a:solidFill>
+          <a:ln>
+            <a:noFill/>
+          </a:ln>
+        </p:spPr>
+        <p:style>
+          <a:lnRef idx="2">
+            <a:schemeClr val="accent1">
+              <a:shade val="50000"/>
+            </a:schemeClr>
+          </a:lnRef>
+          <a:fillRef idx="1">
+            <a:schemeClr val="accent1"/>
+          </a:fillRef>
+          <a:effectRef idx="0">
+            <a:schemeClr val="accent1"/>
+          </a:effectRef>
+          <a:fontRef idx="minor">
+            <a:schemeClr val="lt1"/>
+          </a:fontRef>
+        </p:style>
+        <p:txBody>
+          <a:bodyPr rtlCol="0" anchor="ctr"/>
+          <a:lstStyle/>
+          <a:p>
+            <a:pPr algn="ctr"/>
+            <a:endParaRPr lang="en-US" dirty="0">
+              <a:latin typeface="+mj-lt"/>
+            </a:endParaRPr>
+          </a:p>
+        </p:txBody>
+      </p:sp>
+      <p:sp>
+        <p:nvSpPr>
+          <p:cNvPr id="34" name="Hexagon 33">
+            <a:extLst>
+              <a:ext uri="{FF2B5EF4-FFF2-40B4-BE49-F238E27FC236}">
+                <a16:creationId xmlns:a16="http://schemas.microsoft.com/office/drawing/2014/main" id="{5160F8B1-281B-40FE-913B-79806DCEB6E0}"/>
+              </a:ext>
+              <a:ext uri="{C183D7F6-B498-43B3-948B-1728B52AA6E4}">
+                <adec:decorative xmlns:adec="http://schemas.microsoft.com/office/drawing/2017/decorative" val="1"/>
+              </a:ext>
+            </a:extLst>
+          </p:cNvPr>
+          <p:cNvSpPr/>
+          <p:nvPr/>
+        </p:nvSpPr>
+        <p:spPr>
+          <a:xfrm>
+            <a:off x="6330581" y="1279542"/>
+            <a:ext cx="2550883" cy="604157"/>
+          </a:xfrm>
+          <a:prstGeom prst="hexagon">
+            <a:avLst/>
+          </a:prstGeom>
+          <a:solidFill>
+            <a:schemeClr val="accent2"/>
+          </a:solidFill>
+          <a:ln>
+            <a:noFill/>
+          </a:ln>
+        </p:spPr>
+        <p:style>
+          <a:lnRef idx="2">
+            <a:schemeClr val="accent1">
+              <a:shade val="50000"/>
+            </a:schemeClr>
+          </a:lnRef>
+          <a:fillRef idx="1">
+            <a:schemeClr val="accent1"/>
+          </a:fillRef>
+          <a:effectRef idx="0">
+            <a:schemeClr val="accent1"/>
+          </a:effectRef>
+          <a:fontRef idx="minor">
+            <a:schemeClr val="lt1"/>
+          </a:fontRef>
+        </p:style>
+        <p:txBody>
+          <a:bodyPr rtlCol="0" anchor="ctr"/>
+          <a:lstStyle/>
+          <a:p>
+            <a:pPr algn="ctr"/>
+            <a:endParaRPr lang="en-US" dirty="0">
+              <a:latin typeface="+mj-lt"/>
+            </a:endParaRPr>
+          </a:p>
+        </p:txBody>
+      </p:sp>
+      <p:sp>
+        <p:nvSpPr>
+          <p:cNvPr id="38" name="Hexagon 37">
+            <a:extLst>
+              <a:ext uri="{FF2B5EF4-FFF2-40B4-BE49-F238E27FC236}">
+                <a16:creationId xmlns:a16="http://schemas.microsoft.com/office/drawing/2014/main" id="{06F5B9A6-704C-47AE-B230-105F31223C1A}"/>
+              </a:ext>
+              <a:ext uri="{C183D7F6-B498-43B3-948B-1728B52AA6E4}">
+                <adec:decorative xmlns:adec="http://schemas.microsoft.com/office/drawing/2017/decorative" val="1"/>
+              </a:ext>
+            </a:extLst>
+          </p:cNvPr>
+          <p:cNvSpPr/>
+          <p:nvPr/>
+        </p:nvSpPr>
+        <p:spPr>
+          <a:xfrm>
+            <a:off x="9056376" y="1279542"/>
+            <a:ext cx="2538954" cy="604157"/>
+          </a:xfrm>
+          <a:prstGeom prst="hexagon">
+            <a:avLst/>
+          </a:prstGeom>
+          <a:solidFill>
+            <a:schemeClr val="accent3"/>
+          </a:solidFill>
+          <a:ln>
+            <a:noFill/>
+          </a:ln>
+        </p:spPr>
+        <p:style>
+          <a:lnRef idx="2">
+            <a:schemeClr val="accent1">
+              <a:shade val="50000"/>
+            </a:schemeClr>
+          </a:lnRef>
+          <a:fillRef idx="1">
+            <a:schemeClr val="accent1"/>
+          </a:fillRef>
+          <a:effectRef idx="0">
+            <a:schemeClr val="accent1"/>
+          </a:effectRef>
+          <a:fontRef idx="minor">
+            <a:schemeClr val="lt1"/>
+          </a:fontRef>
+        </p:style>
+        <p:txBody>
+          <a:bodyPr rtlCol="0" anchor="ctr"/>
+          <a:lstStyle/>
+          <a:p>
+            <a:pPr algn="ctr"/>
+            <a:endParaRPr lang="en-US" dirty="0">
+              <a:latin typeface="+mj-lt"/>
+            </a:endParaRPr>
+          </a:p>
+        </p:txBody>
+      </p:sp>
+      <p:sp>
+        <p:nvSpPr>
+          <p:cNvPr id="3" name="Title 1">
+            <a:extLst>
+              <a:ext uri="{FF2B5EF4-FFF2-40B4-BE49-F238E27FC236}">
+                <a16:creationId xmlns:a16="http://schemas.microsoft.com/office/drawing/2014/main" id="{D88C20CF-C1EE-4092-B52D-FD4AB2AB2508}"/>
+              </a:ext>
+            </a:extLst>
+          </p:cNvPr>
+          <p:cNvSpPr>
+            <a:spLocks noGrp="1"/>
+          </p:cNvSpPr>
+          <p:nvPr>
+            <p:ph type="title"/>
+          </p:nvPr>
+        </p:nvSpPr>
+        <p:spPr>
+          <a:xfrm>
+            <a:off x="426000" y="254695"/>
+            <a:ext cx="11340000" cy="700114"/>
+          </a:xfrm>
+          <a:prstGeom prst="rect">
+            <a:avLst/>
+          </a:prstGeom>
+        </p:spPr>
+        <p:txBody>
+          <a:bodyPr anchor="ctr"/>
+          <a:lstStyle/>
+          <a:p>
+            <a:pPr algn="ctr"/>
+            <a:r>
+              <a:rPr lang="en-US" sz="4800" b="1" dirty="0">
+                <a:solidFill>
+                  <a:schemeClr val="tx1"/>
+                </a:solidFill>
+              </a:rPr>
+              <a:t>Students – Empathy Map</a:t>
+            </a:r>
+          </a:p>
+        </p:txBody>
+      </p:sp>
+      <p:sp>
+        <p:nvSpPr>
+          <p:cNvPr id="45" name="Rectangle 44">
+            <a:extLst>
+              <a:ext uri="{FF2B5EF4-FFF2-40B4-BE49-F238E27FC236}">
+                <a16:creationId xmlns:a16="http://schemas.microsoft.com/office/drawing/2014/main" id="{04CA3F56-6B4F-4DFF-B133-DBA85DE6850E}"/>
+              </a:ext>
+              <a:ext uri="{C183D7F6-B498-43B3-948B-1728B52AA6E4}">
+                <adec:decorative xmlns:adec="http://schemas.microsoft.com/office/drawing/2017/decorative" val="1"/>
+              </a:ext>
+            </a:extLst>
+          </p:cNvPr>
+          <p:cNvSpPr/>
+          <p:nvPr/>
+        </p:nvSpPr>
+        <p:spPr>
+          <a:xfrm>
+            <a:off x="876981" y="1579771"/>
+            <a:ext cx="2470792" cy="3972988"/>
+          </a:xfrm>
+          <a:prstGeom prst="rect">
+            <a:avLst/>
+          </a:prstGeom>
+          <a:noFill/>
+          <a:ln>
+            <a:solidFill>
+              <a:schemeClr val="bg1">
+                <a:lumMod val="75000"/>
+              </a:schemeClr>
+            </a:solidFill>
+          </a:ln>
+        </p:spPr>
+        <p:style>
+          <a:lnRef idx="2">
+            <a:schemeClr val="accent1">
+              <a:shade val="50000"/>
+            </a:schemeClr>
+          </a:lnRef>
+          <a:fillRef idx="1">
+            <a:schemeClr val="accent1"/>
+          </a:fillRef>
+          <a:effectRef idx="0">
+            <a:schemeClr val="accent1"/>
+          </a:effectRef>
+          <a:fontRef idx="minor">
+            <a:schemeClr val="lt1"/>
+          </a:fontRef>
+        </p:style>
+        <p:txBody>
+          <a:bodyPr wrap="square" rtlCol="0" anchor="ctr">
+            <a:noAutofit/>
+          </a:bodyPr>
+          <a:lstStyle/>
+          <a:p>
+            <a:pPr algn="ctr"/>
+            <a:endParaRPr lang="en-US" dirty="0"/>
+          </a:p>
+        </p:txBody>
+      </p:sp>
+      <p:sp>
+        <p:nvSpPr>
+          <p:cNvPr id="91" name="Rectangle 90">
+            <a:extLst>
+              <a:ext uri="{FF2B5EF4-FFF2-40B4-BE49-F238E27FC236}">
+                <a16:creationId xmlns:a16="http://schemas.microsoft.com/office/drawing/2014/main" id="{C156482F-4317-491F-AFBA-E1AC4F3EE213}"/>
+              </a:ext>
+              <a:ext uri="{C183D7F6-B498-43B3-948B-1728B52AA6E4}">
+                <adec:decorative xmlns:adec="http://schemas.microsoft.com/office/drawing/2017/decorative" val="1"/>
+              </a:ext>
+            </a:extLst>
+          </p:cNvPr>
+          <p:cNvSpPr/>
+          <p:nvPr/>
+        </p:nvSpPr>
+        <p:spPr>
+          <a:xfrm>
+            <a:off x="3608831" y="1579769"/>
+            <a:ext cx="2504689" cy="3972363"/>
+          </a:xfrm>
+          <a:prstGeom prst="rect">
+            <a:avLst/>
+          </a:prstGeom>
+          <a:noFill/>
+          <a:ln>
+            <a:solidFill>
+              <a:schemeClr val="bg1">
+                <a:lumMod val="75000"/>
+              </a:schemeClr>
+            </a:solidFill>
+          </a:ln>
+        </p:spPr>
+        <p:style>
+          <a:lnRef idx="2">
+            <a:schemeClr val="accent1">
+              <a:shade val="50000"/>
+            </a:schemeClr>
+          </a:lnRef>
+          <a:fillRef idx="1">
+            <a:schemeClr val="accent1"/>
+          </a:fillRef>
+          <a:effectRef idx="0">
+            <a:schemeClr val="accent1"/>
+          </a:effectRef>
+          <a:fontRef idx="minor">
+            <a:schemeClr val="lt1"/>
+          </a:fontRef>
+        </p:style>
+        <p:txBody>
+          <a:bodyPr wrap="square" rtlCol="0" anchor="ctr">
+            <a:noAutofit/>
+          </a:bodyPr>
+          <a:lstStyle/>
+          <a:p>
+            <a:pPr algn="ctr"/>
+            <a:endParaRPr lang="en-US" dirty="0"/>
+          </a:p>
+        </p:txBody>
+      </p:sp>
+      <p:sp>
+        <p:nvSpPr>
+          <p:cNvPr id="95" name="Rectangle 94">
+            <a:extLst>
+              <a:ext uri="{FF2B5EF4-FFF2-40B4-BE49-F238E27FC236}">
+                <a16:creationId xmlns:a16="http://schemas.microsoft.com/office/drawing/2014/main" id="{C4F6EFBC-D760-468D-9BF7-FAAD40BF5D52}"/>
+              </a:ext>
+              <a:ext uri="{C183D7F6-B498-43B3-948B-1728B52AA6E4}">
+                <adec:decorative xmlns:adec="http://schemas.microsoft.com/office/drawing/2017/decorative" val="1"/>
+              </a:ext>
+            </a:extLst>
+          </p:cNvPr>
+          <p:cNvSpPr/>
+          <p:nvPr/>
+        </p:nvSpPr>
+        <p:spPr>
+          <a:xfrm>
+            <a:off x="6369806" y="1579770"/>
+            <a:ext cx="2647212" cy="3972362"/>
+          </a:xfrm>
+          <a:prstGeom prst="rect">
+            <a:avLst/>
+          </a:prstGeom>
+          <a:noFill/>
+          <a:ln>
+            <a:solidFill>
+              <a:schemeClr val="bg1">
+                <a:lumMod val="75000"/>
+              </a:schemeClr>
+            </a:solidFill>
+          </a:ln>
+        </p:spPr>
+        <p:style>
+          <a:lnRef idx="2">
+            <a:schemeClr val="accent1">
+              <a:shade val="50000"/>
+            </a:schemeClr>
+          </a:lnRef>
+          <a:fillRef idx="1">
+            <a:schemeClr val="accent1"/>
+          </a:fillRef>
+          <a:effectRef idx="0">
+            <a:schemeClr val="accent1"/>
+          </a:effectRef>
+          <a:fontRef idx="minor">
+            <a:schemeClr val="lt1"/>
+          </a:fontRef>
+        </p:style>
+        <p:txBody>
+          <a:bodyPr wrap="square" rtlCol="0" anchor="ctr">
+            <a:noAutofit/>
+          </a:bodyPr>
+          <a:lstStyle/>
+          <a:p>
+            <a:pPr algn="ctr"/>
+            <a:endParaRPr lang="en-US" dirty="0"/>
+          </a:p>
+        </p:txBody>
+      </p:sp>
+      <p:sp>
+        <p:nvSpPr>
+          <p:cNvPr id="99" name="Rectangle 98">
+            <a:extLst>
+              <a:ext uri="{FF2B5EF4-FFF2-40B4-BE49-F238E27FC236}">
+                <a16:creationId xmlns:a16="http://schemas.microsoft.com/office/drawing/2014/main" id="{3A80BA8B-9E64-46F6-BB41-F59F1B3E9783}"/>
+              </a:ext>
+              <a:ext uri="{C183D7F6-B498-43B3-948B-1728B52AA6E4}">
+                <adec:decorative xmlns:adec="http://schemas.microsoft.com/office/drawing/2017/decorative" val="1"/>
+              </a:ext>
+            </a:extLst>
+          </p:cNvPr>
+          <p:cNvSpPr/>
+          <p:nvPr/>
+        </p:nvSpPr>
+        <p:spPr>
+          <a:xfrm>
+            <a:off x="9058324" y="1579770"/>
+            <a:ext cx="2647212" cy="3972362"/>
+          </a:xfrm>
+          <a:prstGeom prst="rect">
+            <a:avLst/>
+          </a:prstGeom>
+          <a:noFill/>
+          <a:ln>
+            <a:solidFill>
+              <a:schemeClr val="bg1">
+                <a:lumMod val="75000"/>
+              </a:schemeClr>
+            </a:solidFill>
+          </a:ln>
+        </p:spPr>
+        <p:style>
+          <a:lnRef idx="2">
+            <a:schemeClr val="accent1">
+              <a:shade val="50000"/>
+            </a:schemeClr>
+          </a:lnRef>
+          <a:fillRef idx="1">
+            <a:schemeClr val="accent1"/>
+          </a:fillRef>
+          <a:effectRef idx="0">
+            <a:schemeClr val="accent1"/>
+          </a:effectRef>
+          <a:fontRef idx="minor">
+            <a:schemeClr val="lt1"/>
+          </a:fontRef>
+        </p:style>
+        <p:txBody>
+          <a:bodyPr wrap="square" rtlCol="0" anchor="ctr">
+            <a:noAutofit/>
+          </a:bodyPr>
+          <a:lstStyle/>
+          <a:p>
+            <a:pPr algn="ctr"/>
+            <a:endParaRPr lang="en-US" dirty="0"/>
+          </a:p>
+        </p:txBody>
+      </p:sp>
+      <p:sp>
+        <p:nvSpPr>
+          <p:cNvPr id="44" name="TextBox 43">
+            <a:extLst>
+              <a:ext uri="{FF2B5EF4-FFF2-40B4-BE49-F238E27FC236}">
+                <a16:creationId xmlns:a16="http://schemas.microsoft.com/office/drawing/2014/main" id="{AB2D8CCC-2870-4227-ABD9-02D24FF59C9D}"/>
+              </a:ext>
+            </a:extLst>
+          </p:cNvPr>
+          <p:cNvSpPr txBox="1"/>
+          <p:nvPr/>
+        </p:nvSpPr>
+        <p:spPr>
+          <a:xfrm>
+            <a:off x="915085" y="1305241"/>
+            <a:ext cx="2470792" cy="323165"/>
+          </a:xfrm>
+          <a:prstGeom prst="rect">
+            <a:avLst/>
+          </a:prstGeom>
+          <a:noFill/>
+        </p:spPr>
+        <p:txBody>
+          <a:bodyPr wrap="square" rtlCol="0">
+            <a:spAutoFit/>
+          </a:bodyPr>
+          <a:lstStyle/>
+          <a:p>
+            <a:pPr algn="ctr"/>
+            <a:r>
+              <a:rPr lang="en-US" sz="1500" dirty="0">
+                <a:solidFill>
+                  <a:schemeClr val="bg1"/>
+                </a:solidFill>
+                <a:latin typeface="+mj-lt"/>
+                <a:cs typeface="Biome Light" panose="020B0303030204020804" pitchFamily="34" charset="0"/>
+              </a:rPr>
+              <a:t>Feels</a:t>
+            </a:r>
+          </a:p>
+        </p:txBody>
+      </p:sp>
+      <p:sp>
+        <p:nvSpPr>
+          <p:cNvPr id="56" name="TextBox 55">
+            <a:extLst>
+              <a:ext uri="{FF2B5EF4-FFF2-40B4-BE49-F238E27FC236}">
+                <a16:creationId xmlns:a16="http://schemas.microsoft.com/office/drawing/2014/main" id="{B91474A0-3948-4481-B3F1-1BD1F9FD5596}"/>
+              </a:ext>
+            </a:extLst>
+          </p:cNvPr>
+          <p:cNvSpPr txBox="1"/>
+          <p:nvPr/>
+        </p:nvSpPr>
+        <p:spPr>
+          <a:xfrm>
+            <a:off x="6306091" y="1270507"/>
+            <a:ext cx="2550884" cy="338554"/>
+          </a:xfrm>
+          <a:prstGeom prst="rect">
+            <a:avLst/>
+          </a:prstGeom>
+          <a:noFill/>
+        </p:spPr>
+        <p:txBody>
+          <a:bodyPr wrap="square" rtlCol="0">
+            <a:spAutoFit/>
+          </a:bodyPr>
+          <a:lstStyle/>
+          <a:p>
+            <a:pPr algn="ctr"/>
+            <a:r>
+              <a:rPr lang="en-US" sz="1600" dirty="0">
+                <a:solidFill>
+                  <a:schemeClr val="bg1"/>
+                </a:solidFill>
+                <a:latin typeface="+mj-lt"/>
+                <a:cs typeface="Biome Light" panose="020B0303030204020804" pitchFamily="34" charset="0"/>
+              </a:rPr>
+              <a:t>Does</a:t>
+            </a:r>
+          </a:p>
+        </p:txBody>
+      </p:sp>
+      <p:sp>
+        <p:nvSpPr>
+          <p:cNvPr id="62" name="TextBox 61">
+            <a:extLst>
+              <a:ext uri="{FF2B5EF4-FFF2-40B4-BE49-F238E27FC236}">
+                <a16:creationId xmlns:a16="http://schemas.microsoft.com/office/drawing/2014/main" id="{04CD836B-A190-4A59-9ACF-3B40EAEA9BCB}"/>
+              </a:ext>
+            </a:extLst>
+          </p:cNvPr>
+          <p:cNvSpPr txBox="1"/>
+          <p:nvPr/>
+        </p:nvSpPr>
+        <p:spPr>
+          <a:xfrm>
+            <a:off x="9034538" y="1272034"/>
+            <a:ext cx="2550883" cy="338554"/>
+          </a:xfrm>
+          <a:prstGeom prst="rect">
+            <a:avLst/>
+          </a:prstGeom>
+          <a:noFill/>
+        </p:spPr>
+        <p:txBody>
+          <a:bodyPr wrap="square" rtlCol="0">
+            <a:spAutoFit/>
+          </a:bodyPr>
+          <a:lstStyle/>
+          <a:p>
+            <a:pPr algn="ctr"/>
+            <a:r>
+              <a:rPr lang="en-US" sz="1600" dirty="0">
+                <a:solidFill>
+                  <a:schemeClr val="bg1"/>
+                </a:solidFill>
+                <a:latin typeface="+mj-lt"/>
+                <a:cs typeface="Biome Light" panose="020B0303030204020804" pitchFamily="34" charset="0"/>
+              </a:rPr>
+              <a:t>Says</a:t>
+            </a:r>
+          </a:p>
+        </p:txBody>
+      </p:sp>
+      <p:sp>
+        <p:nvSpPr>
+          <p:cNvPr id="68" name="TextBox 67">
+            <a:extLst>
+              <a:ext uri="{FF2B5EF4-FFF2-40B4-BE49-F238E27FC236}">
+                <a16:creationId xmlns:a16="http://schemas.microsoft.com/office/drawing/2014/main" id="{C9097234-38E0-4114-A29F-508805824B65}"/>
+              </a:ext>
+            </a:extLst>
+          </p:cNvPr>
+          <p:cNvSpPr txBox="1"/>
+          <p:nvPr/>
+        </p:nvSpPr>
+        <p:spPr>
+          <a:xfrm>
+            <a:off x="873469" y="2060351"/>
+            <a:ext cx="2465087" cy="3308603"/>
+          </a:xfrm>
+          <a:prstGeom prst="rect">
+            <a:avLst/>
+          </a:prstGeom>
+          <a:noFill/>
+        </p:spPr>
+        <p:txBody>
+          <a:bodyPr wrap="square" rIns="0" rtlCol="0">
+            <a:noAutofit/>
+          </a:bodyPr>
+          <a:lstStyle/>
+          <a:p>
+            <a:pPr marL="285750" indent="-285750">
+              <a:lnSpc>
+                <a:spcPct val="150000"/>
+              </a:lnSpc>
+              <a:buClr>
+                <a:schemeClr val="accent3"/>
+              </a:buClr>
+              <a:buFont typeface="Wingdings" panose="05000000000000000000" pitchFamily="2" charset="2"/>
+              <a:buChar char="q"/>
+            </a:pPr>
+            <a:r>
+              <a:rPr lang="en-US" dirty="0">
+                <a:latin typeface="+mj-lt"/>
+                <a:cs typeface="Biome Light" panose="020B0303030204020804" pitchFamily="34" charset="0"/>
+              </a:rPr>
+              <a:t>Inequality in learning</a:t>
+            </a:r>
+          </a:p>
+          <a:p>
+            <a:pPr marL="285750" indent="-285750">
+              <a:lnSpc>
+                <a:spcPct val="150000"/>
+              </a:lnSpc>
+              <a:buClr>
+                <a:schemeClr val="accent3"/>
+              </a:buClr>
+              <a:buFont typeface="Wingdings" panose="05000000000000000000" pitchFamily="2" charset="2"/>
+              <a:buChar char="q"/>
+            </a:pPr>
+            <a:r>
+              <a:rPr lang="en-US" dirty="0">
+                <a:latin typeface="+mj-lt"/>
+                <a:cs typeface="Biome Light" panose="020B0303030204020804" pitchFamily="34" charset="0"/>
+              </a:rPr>
+              <a:t>Loss of dream</a:t>
+            </a:r>
+          </a:p>
+          <a:p>
+            <a:pPr marL="285750" indent="-285750">
+              <a:lnSpc>
+                <a:spcPct val="150000"/>
+              </a:lnSpc>
+              <a:buClr>
+                <a:schemeClr val="accent3"/>
+              </a:buClr>
+              <a:buFont typeface="Wingdings" panose="05000000000000000000" pitchFamily="2" charset="2"/>
+              <a:buChar char="q"/>
+            </a:pPr>
+            <a:r>
+              <a:rPr lang="en-US" dirty="0">
+                <a:latin typeface="+mj-lt"/>
+                <a:cs typeface="Biome Light" panose="020B0303030204020804" pitchFamily="34" charset="0"/>
+              </a:rPr>
+              <a:t>Lack of confidence</a:t>
+            </a:r>
+          </a:p>
+          <a:p>
+            <a:pPr marL="285750" indent="-285750">
+              <a:lnSpc>
+                <a:spcPct val="150000"/>
+              </a:lnSpc>
+              <a:buClr>
+                <a:schemeClr val="accent3"/>
+              </a:buClr>
+              <a:buFont typeface="Wingdings" panose="05000000000000000000" pitchFamily="2" charset="2"/>
+              <a:buChar char="q"/>
+            </a:pPr>
+            <a:endParaRPr lang="en-US" dirty="0">
+              <a:latin typeface="+mj-lt"/>
+              <a:cs typeface="Biome Light" panose="020B0303030204020804" pitchFamily="34" charset="0"/>
+            </a:endParaRPr>
+          </a:p>
+          <a:p>
+            <a:pPr>
+              <a:buClr>
+                <a:schemeClr val="accent3"/>
+              </a:buClr>
+            </a:pPr>
+            <a:endParaRPr lang="en-US" dirty="0">
+              <a:latin typeface="+mj-lt"/>
+              <a:cs typeface="Biome Light" panose="020B0303030204020804" pitchFamily="34" charset="0"/>
+            </a:endParaRPr>
+          </a:p>
+          <a:p>
+            <a:pPr marL="285750" indent="-285750">
+              <a:buClr>
+                <a:schemeClr val="accent3"/>
+              </a:buClr>
+              <a:buFont typeface="Wingdings" panose="05000000000000000000" pitchFamily="2" charset="2"/>
+              <a:buChar char="q"/>
+            </a:pPr>
+            <a:r>
+              <a:rPr lang="en-US" dirty="0">
+                <a:latin typeface="+mj-lt"/>
+                <a:cs typeface="Biome Light" panose="020B0303030204020804" pitchFamily="34" charset="0"/>
+              </a:rPr>
+              <a:t>Pain of educational poverty.</a:t>
+            </a:r>
+          </a:p>
+          <a:p>
+            <a:pPr>
+              <a:lnSpc>
+                <a:spcPct val="150000"/>
+              </a:lnSpc>
+              <a:buClr>
+                <a:schemeClr val="accent3"/>
+              </a:buClr>
+            </a:pPr>
+            <a:endParaRPr lang="en-US" dirty="0">
+              <a:latin typeface="+mj-lt"/>
+              <a:cs typeface="Biome Light" panose="020B0303030204020804" pitchFamily="34" charset="0"/>
+            </a:endParaRPr>
+          </a:p>
+          <a:p>
+            <a:pPr marL="285750" indent="-285750">
+              <a:lnSpc>
+                <a:spcPct val="150000"/>
+              </a:lnSpc>
+              <a:buClr>
+                <a:schemeClr val="accent3"/>
+              </a:buClr>
+              <a:buFont typeface="Wingdings" panose="05000000000000000000" pitchFamily="2" charset="2"/>
+              <a:buChar char="q"/>
+            </a:pPr>
+            <a:endParaRPr lang="en-US" sz="1400" b="1" dirty="0">
+              <a:latin typeface="+mj-lt"/>
+              <a:cs typeface="Biome Light" panose="020B0303030204020804" pitchFamily="34" charset="0"/>
+            </a:endParaRPr>
+          </a:p>
+          <a:p>
+            <a:pPr marL="285750" indent="-285750">
+              <a:buClr>
+                <a:schemeClr val="accent3"/>
+              </a:buClr>
+              <a:buFont typeface="Wingdings" panose="05000000000000000000" pitchFamily="2" charset="2"/>
+              <a:buChar char="q"/>
+            </a:pPr>
+            <a:endParaRPr lang="en-US" sz="1400" dirty="0">
+              <a:cs typeface="Biome Light" panose="020B0303030204020804" pitchFamily="34" charset="0"/>
+            </a:endParaRPr>
+          </a:p>
+        </p:txBody>
+      </p:sp>
+      <p:sp>
+        <p:nvSpPr>
+          <p:cNvPr id="41" name="TextBox 40">
+            <a:extLst>
+              <a:ext uri="{FF2B5EF4-FFF2-40B4-BE49-F238E27FC236}">
+                <a16:creationId xmlns:a16="http://schemas.microsoft.com/office/drawing/2014/main" id="{38619C28-126E-4AFB-AEB9-BA1414B28899}"/>
+              </a:ext>
+            </a:extLst>
+          </p:cNvPr>
+          <p:cNvSpPr txBox="1"/>
+          <p:nvPr/>
+        </p:nvSpPr>
+        <p:spPr>
+          <a:xfrm>
+            <a:off x="3657736" y="1305867"/>
+            <a:ext cx="2470792" cy="323165"/>
+          </a:xfrm>
+          <a:prstGeom prst="rect">
+            <a:avLst/>
+          </a:prstGeom>
+          <a:noFill/>
+        </p:spPr>
+        <p:txBody>
+          <a:bodyPr wrap="square" rtlCol="0">
+            <a:spAutoFit/>
+          </a:bodyPr>
+          <a:lstStyle/>
+          <a:p>
+            <a:pPr algn="ctr"/>
+            <a:r>
+              <a:rPr lang="en-US" sz="1500" dirty="0">
+                <a:solidFill>
+                  <a:schemeClr val="bg1"/>
+                </a:solidFill>
+                <a:latin typeface="+mj-lt"/>
+                <a:cs typeface="Biome Light" panose="020B0303030204020804" pitchFamily="34" charset="0"/>
+              </a:rPr>
+              <a:t>Thinks / Needs</a:t>
+            </a:r>
+          </a:p>
+        </p:txBody>
+      </p:sp>
+      <p:sp>
+        <p:nvSpPr>
+          <p:cNvPr id="25" name="TextBox 24">
+            <a:extLst>
+              <a:ext uri="{FF2B5EF4-FFF2-40B4-BE49-F238E27FC236}">
+                <a16:creationId xmlns:a16="http://schemas.microsoft.com/office/drawing/2014/main" id="{1FEC9AAD-8A94-4B0D-BBA1-40C7BABC2F47}"/>
+              </a:ext>
+            </a:extLst>
+          </p:cNvPr>
+          <p:cNvSpPr txBox="1"/>
+          <p:nvPr/>
+        </p:nvSpPr>
+        <p:spPr>
+          <a:xfrm>
+            <a:off x="3604059" y="2060351"/>
+            <a:ext cx="2524469" cy="3308603"/>
+          </a:xfrm>
+          <a:prstGeom prst="rect">
+            <a:avLst/>
+          </a:prstGeom>
+          <a:noFill/>
+        </p:spPr>
+        <p:txBody>
+          <a:bodyPr wrap="square" rIns="0" rtlCol="0">
+            <a:noAutofit/>
+          </a:bodyPr>
+          <a:lstStyle/>
+          <a:p>
+            <a:pPr marL="285750" indent="-285750">
+              <a:buClr>
+                <a:schemeClr val="accent3"/>
+              </a:buClr>
+              <a:buFont typeface="Wingdings" panose="05000000000000000000" pitchFamily="2" charset="2"/>
+              <a:buChar char="q"/>
+            </a:pPr>
+            <a:r>
+              <a:rPr lang="en-US" dirty="0">
+                <a:latin typeface="+mj-lt"/>
+                <a:cs typeface="Biome Light" panose="020B0303030204020804" pitchFamily="34" charset="0"/>
+              </a:rPr>
+              <a:t>Organization to take care of students learning.</a:t>
+            </a:r>
+          </a:p>
+          <a:p>
+            <a:pPr marL="285750" indent="-285750">
+              <a:buClr>
+                <a:schemeClr val="accent3"/>
+              </a:buClr>
+              <a:buFont typeface="Wingdings" panose="05000000000000000000" pitchFamily="2" charset="2"/>
+              <a:buChar char="q"/>
+            </a:pPr>
+            <a:endParaRPr lang="en-US" dirty="0">
+              <a:latin typeface="+mj-lt"/>
+              <a:cs typeface="Biome Light" panose="020B0303030204020804" pitchFamily="34" charset="0"/>
+            </a:endParaRPr>
+          </a:p>
+          <a:p>
+            <a:pPr marL="285750" indent="-285750">
+              <a:buClr>
+                <a:schemeClr val="accent3"/>
+              </a:buClr>
+              <a:buFont typeface="Wingdings" panose="05000000000000000000" pitchFamily="2" charset="2"/>
+              <a:buChar char="q"/>
+            </a:pPr>
+            <a:r>
+              <a:rPr lang="en-US" dirty="0">
+                <a:latin typeface="+mj-lt"/>
+                <a:cs typeface="Biome Light" panose="020B0303030204020804" pitchFamily="34" charset="0"/>
+              </a:rPr>
+              <a:t>Group of friends together to help for a friend’s fund.</a:t>
+            </a:r>
+          </a:p>
+          <a:p>
+            <a:pPr>
+              <a:buClr>
+                <a:schemeClr val="accent3"/>
+              </a:buClr>
+            </a:pPr>
+            <a:endParaRPr lang="en-US" dirty="0">
+              <a:latin typeface="+mj-lt"/>
+              <a:cs typeface="Biome Light" panose="020B0303030204020804" pitchFamily="34" charset="0"/>
+            </a:endParaRPr>
+          </a:p>
+          <a:p>
+            <a:pPr marL="285750" indent="-285750">
+              <a:buClr>
+                <a:schemeClr val="accent3"/>
+              </a:buClr>
+              <a:buFont typeface="Wingdings" panose="05000000000000000000" pitchFamily="2" charset="2"/>
+              <a:buChar char="q"/>
+            </a:pPr>
+            <a:r>
+              <a:rPr lang="en-US" dirty="0">
+                <a:latin typeface="+mj-lt"/>
+                <a:cs typeface="Biome Light" panose="020B0303030204020804" pitchFamily="34" charset="0"/>
+              </a:rPr>
+              <a:t>A better way to fund raising.</a:t>
+            </a:r>
+          </a:p>
+          <a:p>
+            <a:pPr marL="285750" indent="-285750">
+              <a:lnSpc>
+                <a:spcPct val="150000"/>
+              </a:lnSpc>
+              <a:buClr>
+                <a:schemeClr val="accent3"/>
+              </a:buClr>
+              <a:buFont typeface="Wingdings" panose="05000000000000000000" pitchFamily="2" charset="2"/>
+              <a:buChar char="q"/>
+            </a:pPr>
+            <a:endParaRPr lang="en-US" sz="1400" b="1" dirty="0">
+              <a:latin typeface="+mj-lt"/>
+              <a:cs typeface="Biome Light" panose="020B0303030204020804" pitchFamily="34" charset="0"/>
+            </a:endParaRPr>
+          </a:p>
+          <a:p>
+            <a:pPr marL="285750" indent="-285750">
+              <a:buClr>
+                <a:schemeClr val="accent3"/>
+              </a:buClr>
+              <a:buFont typeface="Wingdings" panose="05000000000000000000" pitchFamily="2" charset="2"/>
+              <a:buChar char="q"/>
+            </a:pPr>
+            <a:endParaRPr lang="en-US" sz="1400" dirty="0">
+              <a:cs typeface="Biome Light" panose="020B0303030204020804" pitchFamily="34" charset="0"/>
+            </a:endParaRPr>
+          </a:p>
+        </p:txBody>
+      </p:sp>
+      <p:sp>
+        <p:nvSpPr>
+          <p:cNvPr id="26" name="TextBox 25">
+            <a:extLst>
+              <a:ext uri="{FF2B5EF4-FFF2-40B4-BE49-F238E27FC236}">
+                <a16:creationId xmlns:a16="http://schemas.microsoft.com/office/drawing/2014/main" id="{22BE9FB3-6AD9-4F55-BB54-CF371063AA06}"/>
+              </a:ext>
+            </a:extLst>
+          </p:cNvPr>
+          <p:cNvSpPr txBox="1"/>
+          <p:nvPr/>
+        </p:nvSpPr>
+        <p:spPr>
+          <a:xfrm>
+            <a:off x="6362246" y="2060350"/>
+            <a:ext cx="2647212" cy="3308603"/>
+          </a:xfrm>
+          <a:prstGeom prst="rect">
+            <a:avLst/>
+          </a:prstGeom>
+          <a:noFill/>
+        </p:spPr>
+        <p:txBody>
+          <a:bodyPr wrap="square" rIns="0" rtlCol="0">
+            <a:noAutofit/>
+          </a:bodyPr>
+          <a:lstStyle/>
+          <a:p>
+            <a:pPr marL="285750" indent="-285750">
+              <a:lnSpc>
+                <a:spcPct val="150000"/>
+              </a:lnSpc>
+              <a:buClr>
+                <a:schemeClr val="accent3"/>
+              </a:buClr>
+              <a:buFont typeface="Wingdings" panose="05000000000000000000" pitchFamily="2" charset="2"/>
+              <a:buChar char="q"/>
+            </a:pPr>
+            <a:r>
+              <a:rPr lang="en-US" dirty="0">
+                <a:latin typeface="+mj-lt"/>
+                <a:cs typeface="Biome Light" panose="020B0303030204020804" pitchFamily="34" charset="0"/>
+              </a:rPr>
+              <a:t>Misses the opportunity</a:t>
+            </a:r>
+          </a:p>
+          <a:p>
+            <a:pPr marL="285750" indent="-285750">
+              <a:buClr>
+                <a:schemeClr val="accent3"/>
+              </a:buClr>
+              <a:buFont typeface="Wingdings" panose="05000000000000000000" pitchFamily="2" charset="2"/>
+              <a:buChar char="q"/>
+            </a:pPr>
+            <a:endParaRPr lang="en-US" dirty="0">
+              <a:latin typeface="+mj-lt"/>
+              <a:cs typeface="Biome Light" panose="020B0303030204020804" pitchFamily="34" charset="0"/>
+            </a:endParaRPr>
+          </a:p>
+          <a:p>
+            <a:pPr marL="285750" indent="-285750">
+              <a:buClr>
+                <a:schemeClr val="accent3"/>
+              </a:buClr>
+              <a:buFont typeface="Wingdings" panose="05000000000000000000" pitchFamily="2" charset="2"/>
+              <a:buChar char="q"/>
+            </a:pPr>
+            <a:r>
+              <a:rPr lang="en-US" dirty="0">
+                <a:latin typeface="+mj-lt"/>
+                <a:cs typeface="Biome Light" panose="020B0303030204020804" pitchFamily="34" charset="0"/>
+              </a:rPr>
+              <a:t>Loan against gold, properties and the securities.</a:t>
+            </a:r>
+          </a:p>
+          <a:p>
+            <a:pPr>
+              <a:buClr>
+                <a:schemeClr val="accent3"/>
+              </a:buClr>
+            </a:pPr>
+            <a:endParaRPr lang="en-US" dirty="0">
+              <a:latin typeface="+mj-lt"/>
+              <a:cs typeface="Biome Light" panose="020B0303030204020804" pitchFamily="34" charset="0"/>
+            </a:endParaRPr>
+          </a:p>
+          <a:p>
+            <a:pPr marL="285750" indent="-285750">
+              <a:lnSpc>
+                <a:spcPct val="150000"/>
+              </a:lnSpc>
+              <a:buClr>
+                <a:schemeClr val="accent3"/>
+              </a:buClr>
+              <a:buFont typeface="Wingdings" panose="05000000000000000000" pitchFamily="2" charset="2"/>
+              <a:buChar char="q"/>
+            </a:pPr>
+            <a:r>
+              <a:rPr lang="en-US" dirty="0">
+                <a:latin typeface="+mj-lt"/>
+                <a:cs typeface="Biome Light" panose="020B0303030204020804" pitchFamily="34" charset="0"/>
+              </a:rPr>
+              <a:t>Give up on their dreams</a:t>
+            </a:r>
+          </a:p>
+          <a:p>
+            <a:pPr marL="285750" indent="-285750">
+              <a:lnSpc>
+                <a:spcPct val="150000"/>
+              </a:lnSpc>
+              <a:buClr>
+                <a:schemeClr val="accent3"/>
+              </a:buClr>
+              <a:buFont typeface="Wingdings" panose="05000000000000000000" pitchFamily="2" charset="2"/>
+              <a:buChar char="q"/>
+            </a:pPr>
+            <a:endParaRPr lang="en-US" dirty="0">
+              <a:latin typeface="+mj-lt"/>
+              <a:cs typeface="Biome Light" panose="020B0303030204020804" pitchFamily="34" charset="0"/>
+            </a:endParaRPr>
+          </a:p>
+          <a:p>
+            <a:pPr marL="285750" indent="-285750">
+              <a:buClr>
+                <a:schemeClr val="accent3"/>
+              </a:buClr>
+              <a:buFont typeface="Wingdings" panose="05000000000000000000" pitchFamily="2" charset="2"/>
+              <a:buChar char="q"/>
+            </a:pPr>
+            <a:r>
+              <a:rPr lang="en-US" dirty="0">
+                <a:latin typeface="+mj-lt"/>
+                <a:cs typeface="Biome Light" panose="020B0303030204020804" pitchFamily="34" charset="0"/>
+              </a:rPr>
+              <a:t>Part time work for extra studies.</a:t>
+            </a:r>
+          </a:p>
+          <a:p>
+            <a:pPr marL="285750" indent="-285750">
+              <a:lnSpc>
+                <a:spcPct val="150000"/>
+              </a:lnSpc>
+              <a:buClr>
+                <a:schemeClr val="accent3"/>
+              </a:buClr>
+              <a:buFont typeface="Wingdings" panose="05000000000000000000" pitchFamily="2" charset="2"/>
+              <a:buChar char="q"/>
+            </a:pPr>
+            <a:endParaRPr lang="en-US" sz="1400" b="1" dirty="0">
+              <a:latin typeface="+mj-lt"/>
+              <a:cs typeface="Biome Light" panose="020B0303030204020804" pitchFamily="34" charset="0"/>
+            </a:endParaRPr>
+          </a:p>
+          <a:p>
+            <a:pPr>
+              <a:buClr>
+                <a:schemeClr val="accent3"/>
+              </a:buClr>
+            </a:pPr>
+            <a:endParaRPr lang="en-US" sz="1400" dirty="0">
+              <a:cs typeface="Biome Light" panose="020B0303030204020804" pitchFamily="34" charset="0"/>
+            </a:endParaRPr>
+          </a:p>
+        </p:txBody>
+      </p:sp>
+      <p:sp>
+        <p:nvSpPr>
+          <p:cNvPr id="29" name="TextBox 28">
+            <a:extLst>
+              <a:ext uri="{FF2B5EF4-FFF2-40B4-BE49-F238E27FC236}">
+                <a16:creationId xmlns:a16="http://schemas.microsoft.com/office/drawing/2014/main" id="{CD6B6479-5F29-47EE-B6C5-9D26BE2ECC72}"/>
+              </a:ext>
+            </a:extLst>
+          </p:cNvPr>
+          <p:cNvSpPr txBox="1"/>
+          <p:nvPr/>
+        </p:nvSpPr>
+        <p:spPr>
+          <a:xfrm>
+            <a:off x="9034538" y="2060349"/>
+            <a:ext cx="2670998" cy="3491783"/>
+          </a:xfrm>
+          <a:prstGeom prst="rect">
+            <a:avLst/>
+          </a:prstGeom>
+          <a:noFill/>
+        </p:spPr>
+        <p:txBody>
+          <a:bodyPr wrap="square" rIns="0" rtlCol="0">
+            <a:noAutofit/>
+          </a:bodyPr>
+          <a:lstStyle/>
+          <a:p>
+            <a:pPr marL="285750" indent="-285750">
+              <a:buClr>
+                <a:schemeClr val="accent3"/>
+              </a:buClr>
+              <a:buFont typeface="Wingdings" panose="05000000000000000000" pitchFamily="2" charset="2"/>
+              <a:buChar char="q"/>
+            </a:pPr>
+            <a:r>
+              <a:rPr lang="en-US" dirty="0">
+                <a:latin typeface="+mj-lt"/>
+                <a:cs typeface="Biome Light" panose="020B0303030204020804" pitchFamily="34" charset="0"/>
+              </a:rPr>
+              <a:t>To create a better way for funds of students learning.</a:t>
+            </a:r>
+          </a:p>
+          <a:p>
+            <a:pPr marL="285750" indent="-285750">
+              <a:buClr>
+                <a:schemeClr val="accent3"/>
+              </a:buClr>
+              <a:buFont typeface="Wingdings" panose="05000000000000000000" pitchFamily="2" charset="2"/>
+              <a:buChar char="q"/>
+            </a:pPr>
+            <a:endParaRPr lang="en-US" dirty="0">
+              <a:latin typeface="+mj-lt"/>
+              <a:cs typeface="Biome Light" panose="020B0303030204020804" pitchFamily="34" charset="0"/>
+            </a:endParaRPr>
+          </a:p>
+          <a:p>
+            <a:pPr marL="285750" indent="-285750">
+              <a:buClr>
+                <a:schemeClr val="accent3"/>
+              </a:buClr>
+              <a:buFont typeface="Wingdings" panose="05000000000000000000" pitchFamily="2" charset="2"/>
+              <a:buChar char="q"/>
+            </a:pPr>
+            <a:r>
+              <a:rPr lang="en-US" dirty="0">
+                <a:latin typeface="+mj-lt"/>
+                <a:cs typeface="Biome Light" panose="020B0303030204020804" pitchFamily="34" charset="0"/>
+              </a:rPr>
+              <a:t>Government to look at the poor students learning.</a:t>
+            </a:r>
+          </a:p>
+          <a:p>
+            <a:pPr marL="285750" indent="-285750">
+              <a:buClr>
+                <a:schemeClr val="accent3"/>
+              </a:buClr>
+              <a:buFont typeface="Wingdings" panose="05000000000000000000" pitchFamily="2" charset="2"/>
+              <a:buChar char="q"/>
+            </a:pPr>
+            <a:endParaRPr lang="en-US" b="1" dirty="0">
+              <a:latin typeface="+mj-lt"/>
+              <a:cs typeface="Biome Light" panose="020B0303030204020804" pitchFamily="34" charset="0"/>
+            </a:endParaRPr>
+          </a:p>
+          <a:p>
+            <a:pPr marL="285750" indent="-285750">
+              <a:buClr>
+                <a:schemeClr val="accent3"/>
+              </a:buClr>
+              <a:buFont typeface="Wingdings" panose="05000000000000000000" pitchFamily="2" charset="2"/>
+              <a:buChar char="q"/>
+            </a:pPr>
+            <a:r>
+              <a:rPr lang="en-US" dirty="0">
+                <a:latin typeface="+mj-lt"/>
+                <a:cs typeface="Biome Light" panose="020B0303030204020804" pitchFamily="34" charset="0"/>
+              </a:rPr>
+              <a:t>To create a portal to unite all students together to support funding.</a:t>
+            </a:r>
+          </a:p>
+          <a:p>
+            <a:pPr marL="285750" indent="-285750">
+              <a:lnSpc>
+                <a:spcPct val="150000"/>
+              </a:lnSpc>
+              <a:buClr>
+                <a:schemeClr val="accent3"/>
+              </a:buClr>
+              <a:buFont typeface="Wingdings" panose="05000000000000000000" pitchFamily="2" charset="2"/>
+              <a:buChar char="q"/>
+            </a:pPr>
+            <a:endParaRPr lang="en-US" b="1" dirty="0">
+              <a:latin typeface="+mj-lt"/>
+              <a:cs typeface="Biome Light" panose="020B0303030204020804" pitchFamily="34" charset="0"/>
+            </a:endParaRPr>
+          </a:p>
+          <a:p>
+            <a:pPr marL="285750" indent="-285750">
+              <a:lnSpc>
+                <a:spcPct val="150000"/>
+              </a:lnSpc>
+              <a:buClr>
+                <a:schemeClr val="accent3"/>
+              </a:buClr>
+              <a:buFont typeface="Wingdings" panose="05000000000000000000" pitchFamily="2" charset="2"/>
+              <a:buChar char="q"/>
+            </a:pPr>
+            <a:endParaRPr lang="en-US" sz="1400" b="1" dirty="0">
+              <a:latin typeface="+mj-lt"/>
+              <a:cs typeface="Biome Light" panose="020B0303030204020804" pitchFamily="34" charset="0"/>
+            </a:endParaRPr>
+          </a:p>
+          <a:p>
+            <a:pPr marL="285750" indent="-285750">
+              <a:buClr>
+                <a:schemeClr val="accent3"/>
+              </a:buClr>
+              <a:buFont typeface="Wingdings" panose="05000000000000000000" pitchFamily="2" charset="2"/>
+              <a:buChar char="q"/>
+            </a:pPr>
+            <a:endParaRPr lang="en-US" sz="1400" dirty="0">
+              <a:cs typeface="Biome Light" panose="020B0303030204020804" pitchFamily="34" charset="0"/>
+            </a:endParaRPr>
+          </a:p>
+        </p:txBody>
+      </p:sp>
+    </p:spTree>
+    <p:extLst>
+      <p:ext uri="{BB962C8B-B14F-4D97-AF65-F5344CB8AC3E}">
+        <p14:creationId xmlns:p14="http://schemas.microsoft.com/office/powerpoint/2010/main" val="1856314060"/>
+      </p:ext>
+    </p:extLst>
+  </p:cSld>
+  <p:clrMapOvr>
+    <a:masterClrMapping/>
+  </p:clrMapOvr>
+</p:sld>
+</file>
+
+<file path=ppt/slides/slide4.xml><?xml version="1.0" encoding="utf-8"?>
 <p:sld xmlns:a="http://schemas.openxmlformats.org/drawingml/2006/main" xmlns:r="http://schemas.openxmlformats.org/officeDocument/2006/relationships" xmlns:p="http://schemas.openxmlformats.org/presentationml/2006/main">
   <p:cSld>
     <p:bg>
@@ -9238,8 +10628,8 @@
         </p:nvSpPr>
         <p:spPr>
           <a:xfrm>
-            <a:off x="660399" y="805213"/>
-            <a:ext cx="5497120" cy="830997"/>
+            <a:off x="660398" y="805213"/>
+            <a:ext cx="6520577" cy="830997"/>
           </a:xfrm>
         </p:spPr>
         <p:txBody>
@@ -9248,7 +10638,7 @@
           <a:p>
             <a:r>
               <a:rPr lang="en-US" dirty="0"/>
-              <a:t>Proposed Solution</a:t>
+              <a:t>Proposed Methodology</a:t>
             </a:r>
           </a:p>
         </p:txBody>
@@ -9334,7 +10724,7 @@
                 </a:solidFill>
                 <a:effectLst/>
               </a:rPr>
-              <a:t>Another increasingly common strategy is to seek more donations from alumni and other potential donors.</a:t>
+              <a:t>Another increasingly common strategy is to seek more donations from alumni and other potential donors for students in the same organization.</a:t>
             </a:r>
             <a:endParaRPr lang="en-US" dirty="0"/>
           </a:p>
@@ -9353,954 +10743,7 @@
 </p:sld>
 </file>
 
-<file path=ppt/slides/slide4.xml><?xml version="1.0" encoding="utf-8"?>
-<p:sld xmlns:a="http://schemas.openxmlformats.org/drawingml/2006/main" xmlns:r="http://schemas.openxmlformats.org/officeDocument/2006/relationships" xmlns:p="http://schemas.openxmlformats.org/presentationml/2006/main">
-  <p:cSld>
-    <p:spTree>
-      <p:nvGrpSpPr>
-        <p:cNvPr id="1" name=""/>
-        <p:cNvGrpSpPr/>
-        <p:nvPr/>
-      </p:nvGrpSpPr>
-      <p:grpSpPr>
-        <a:xfrm>
-          <a:off x="0" y="0"/>
-          <a:ext cx="0" cy="0"/>
-          <a:chOff x="0" y="0"/>
-          <a:chExt cx="0" cy="0"/>
-        </a:xfrm>
-      </p:grpSpPr>
-      <p:sp>
-        <p:nvSpPr>
-          <p:cNvPr id="20" name="Hexagon 19">
-            <a:extLst>
-              <a:ext uri="{FF2B5EF4-FFF2-40B4-BE49-F238E27FC236}">
-                <a16:creationId xmlns:a16="http://schemas.microsoft.com/office/drawing/2014/main" id="{184F3FD5-57F6-429C-8A79-BC3E161F9645}"/>
-              </a:ext>
-              <a:ext uri="{C183D7F6-B498-43B3-948B-1728B52AA6E4}">
-                <adec:decorative xmlns:adec="http://schemas.microsoft.com/office/drawing/2017/decorative" val="1"/>
-              </a:ext>
-            </a:extLst>
-          </p:cNvPr>
-          <p:cNvSpPr/>
-          <p:nvPr/>
-        </p:nvSpPr>
-        <p:spPr>
-          <a:xfrm>
-            <a:off x="878993" y="1279542"/>
-            <a:ext cx="2481111" cy="604157"/>
-          </a:xfrm>
-          <a:prstGeom prst="hexagon">
-            <a:avLst/>
-          </a:prstGeom>
-          <a:solidFill>
-            <a:schemeClr val="tx2"/>
-          </a:solidFill>
-          <a:ln>
-            <a:noFill/>
-          </a:ln>
-        </p:spPr>
-        <p:style>
-          <a:lnRef idx="2">
-            <a:schemeClr val="accent1">
-              <a:shade val="50000"/>
-            </a:schemeClr>
-          </a:lnRef>
-          <a:fillRef idx="1">
-            <a:schemeClr val="accent1"/>
-          </a:fillRef>
-          <a:effectRef idx="0">
-            <a:schemeClr val="accent1"/>
-          </a:effectRef>
-          <a:fontRef idx="minor">
-            <a:schemeClr val="lt1"/>
-          </a:fontRef>
-        </p:style>
-        <p:txBody>
-          <a:bodyPr rtlCol="0" anchor="ctr"/>
-          <a:lstStyle/>
-          <a:p>
-            <a:pPr algn="ctr"/>
-            <a:endParaRPr lang="en-US" dirty="0">
-              <a:latin typeface="+mj-lt"/>
-            </a:endParaRPr>
-          </a:p>
-        </p:txBody>
-      </p:sp>
-      <p:sp>
-        <p:nvSpPr>
-          <p:cNvPr id="28" name="Hexagon 27">
-            <a:extLst>
-              <a:ext uri="{FF2B5EF4-FFF2-40B4-BE49-F238E27FC236}">
-                <a16:creationId xmlns:a16="http://schemas.microsoft.com/office/drawing/2014/main" id="{9A460E96-6DE9-4695-B9AA-33D872B9AE91}"/>
-              </a:ext>
-              <a:ext uri="{C183D7F6-B498-43B3-948B-1728B52AA6E4}">
-                <adec:decorative xmlns:adec="http://schemas.microsoft.com/office/drawing/2017/decorative" val="1"/>
-              </a:ext>
-            </a:extLst>
-          </p:cNvPr>
-          <p:cNvSpPr/>
-          <p:nvPr/>
-        </p:nvSpPr>
-        <p:spPr>
-          <a:xfrm>
-            <a:off x="3604788" y="1279542"/>
-            <a:ext cx="2491212" cy="604157"/>
-          </a:xfrm>
-          <a:prstGeom prst="hexagon">
-            <a:avLst/>
-          </a:prstGeom>
-          <a:solidFill>
-            <a:schemeClr val="accent1"/>
-          </a:solidFill>
-          <a:ln>
-            <a:noFill/>
-          </a:ln>
-        </p:spPr>
-        <p:style>
-          <a:lnRef idx="2">
-            <a:schemeClr val="accent1">
-              <a:shade val="50000"/>
-            </a:schemeClr>
-          </a:lnRef>
-          <a:fillRef idx="1">
-            <a:schemeClr val="accent1"/>
-          </a:fillRef>
-          <a:effectRef idx="0">
-            <a:schemeClr val="accent1"/>
-          </a:effectRef>
-          <a:fontRef idx="minor">
-            <a:schemeClr val="lt1"/>
-          </a:fontRef>
-        </p:style>
-        <p:txBody>
-          <a:bodyPr rtlCol="0" anchor="ctr"/>
-          <a:lstStyle/>
-          <a:p>
-            <a:pPr algn="ctr"/>
-            <a:endParaRPr lang="en-US" dirty="0">
-              <a:latin typeface="+mj-lt"/>
-            </a:endParaRPr>
-          </a:p>
-        </p:txBody>
-      </p:sp>
-      <p:sp>
-        <p:nvSpPr>
-          <p:cNvPr id="34" name="Hexagon 33">
-            <a:extLst>
-              <a:ext uri="{FF2B5EF4-FFF2-40B4-BE49-F238E27FC236}">
-                <a16:creationId xmlns:a16="http://schemas.microsoft.com/office/drawing/2014/main" id="{5160F8B1-281B-40FE-913B-79806DCEB6E0}"/>
-              </a:ext>
-              <a:ext uri="{C183D7F6-B498-43B3-948B-1728B52AA6E4}">
-                <adec:decorative xmlns:adec="http://schemas.microsoft.com/office/drawing/2017/decorative" val="1"/>
-              </a:ext>
-            </a:extLst>
-          </p:cNvPr>
-          <p:cNvSpPr/>
-          <p:nvPr/>
-        </p:nvSpPr>
-        <p:spPr>
-          <a:xfrm>
-            <a:off x="6330581" y="1279542"/>
-            <a:ext cx="2550883" cy="604157"/>
-          </a:xfrm>
-          <a:prstGeom prst="hexagon">
-            <a:avLst/>
-          </a:prstGeom>
-          <a:solidFill>
-            <a:schemeClr val="accent2"/>
-          </a:solidFill>
-          <a:ln>
-            <a:noFill/>
-          </a:ln>
-        </p:spPr>
-        <p:style>
-          <a:lnRef idx="2">
-            <a:schemeClr val="accent1">
-              <a:shade val="50000"/>
-            </a:schemeClr>
-          </a:lnRef>
-          <a:fillRef idx="1">
-            <a:schemeClr val="accent1"/>
-          </a:fillRef>
-          <a:effectRef idx="0">
-            <a:schemeClr val="accent1"/>
-          </a:effectRef>
-          <a:fontRef idx="minor">
-            <a:schemeClr val="lt1"/>
-          </a:fontRef>
-        </p:style>
-        <p:txBody>
-          <a:bodyPr rtlCol="0" anchor="ctr"/>
-          <a:lstStyle/>
-          <a:p>
-            <a:pPr algn="ctr"/>
-            <a:endParaRPr lang="en-US" dirty="0">
-              <a:latin typeface="+mj-lt"/>
-            </a:endParaRPr>
-          </a:p>
-        </p:txBody>
-      </p:sp>
-      <p:sp>
-        <p:nvSpPr>
-          <p:cNvPr id="38" name="Hexagon 37">
-            <a:extLst>
-              <a:ext uri="{FF2B5EF4-FFF2-40B4-BE49-F238E27FC236}">
-                <a16:creationId xmlns:a16="http://schemas.microsoft.com/office/drawing/2014/main" id="{06F5B9A6-704C-47AE-B230-105F31223C1A}"/>
-              </a:ext>
-              <a:ext uri="{C183D7F6-B498-43B3-948B-1728B52AA6E4}">
-                <adec:decorative xmlns:adec="http://schemas.microsoft.com/office/drawing/2017/decorative" val="1"/>
-              </a:ext>
-            </a:extLst>
-          </p:cNvPr>
-          <p:cNvSpPr/>
-          <p:nvPr/>
-        </p:nvSpPr>
-        <p:spPr>
-          <a:xfrm>
-            <a:off x="9056376" y="1279542"/>
-            <a:ext cx="2538954" cy="604157"/>
-          </a:xfrm>
-          <a:prstGeom prst="hexagon">
-            <a:avLst/>
-          </a:prstGeom>
-          <a:solidFill>
-            <a:schemeClr val="accent3"/>
-          </a:solidFill>
-          <a:ln>
-            <a:noFill/>
-          </a:ln>
-        </p:spPr>
-        <p:style>
-          <a:lnRef idx="2">
-            <a:schemeClr val="accent1">
-              <a:shade val="50000"/>
-            </a:schemeClr>
-          </a:lnRef>
-          <a:fillRef idx="1">
-            <a:schemeClr val="accent1"/>
-          </a:fillRef>
-          <a:effectRef idx="0">
-            <a:schemeClr val="accent1"/>
-          </a:effectRef>
-          <a:fontRef idx="minor">
-            <a:schemeClr val="lt1"/>
-          </a:fontRef>
-        </p:style>
-        <p:txBody>
-          <a:bodyPr rtlCol="0" anchor="ctr"/>
-          <a:lstStyle/>
-          <a:p>
-            <a:pPr algn="ctr"/>
-            <a:endParaRPr lang="en-US" dirty="0">
-              <a:latin typeface="+mj-lt"/>
-            </a:endParaRPr>
-          </a:p>
-        </p:txBody>
-      </p:sp>
-      <p:sp>
-        <p:nvSpPr>
-          <p:cNvPr id="3" name="Title 1">
-            <a:extLst>
-              <a:ext uri="{FF2B5EF4-FFF2-40B4-BE49-F238E27FC236}">
-                <a16:creationId xmlns:a16="http://schemas.microsoft.com/office/drawing/2014/main" id="{D88C20CF-C1EE-4092-B52D-FD4AB2AB2508}"/>
-              </a:ext>
-            </a:extLst>
-          </p:cNvPr>
-          <p:cNvSpPr>
-            <a:spLocks noGrp="1"/>
-          </p:cNvSpPr>
-          <p:nvPr>
-            <p:ph type="title"/>
-          </p:nvPr>
-        </p:nvSpPr>
-        <p:spPr>
-          <a:xfrm>
-            <a:off x="426000" y="254695"/>
-            <a:ext cx="11340000" cy="700114"/>
-          </a:xfrm>
-          <a:prstGeom prst="rect">
-            <a:avLst/>
-          </a:prstGeom>
-        </p:spPr>
-        <p:txBody>
-          <a:bodyPr anchor="ctr"/>
-          <a:lstStyle/>
-          <a:p>
-            <a:pPr algn="ctr"/>
-            <a:r>
-              <a:rPr lang="en-US" sz="4800" b="1" dirty="0">
-                <a:solidFill>
-                  <a:schemeClr val="tx1"/>
-                </a:solidFill>
-              </a:rPr>
-              <a:t>Students – Empathy Map</a:t>
-            </a:r>
-          </a:p>
-        </p:txBody>
-      </p:sp>
-      <p:sp>
-        <p:nvSpPr>
-          <p:cNvPr id="45" name="Rectangle 44">
-            <a:extLst>
-              <a:ext uri="{FF2B5EF4-FFF2-40B4-BE49-F238E27FC236}">
-                <a16:creationId xmlns:a16="http://schemas.microsoft.com/office/drawing/2014/main" id="{04CA3F56-6B4F-4DFF-B133-DBA85DE6850E}"/>
-              </a:ext>
-              <a:ext uri="{C183D7F6-B498-43B3-948B-1728B52AA6E4}">
-                <adec:decorative xmlns:adec="http://schemas.microsoft.com/office/drawing/2017/decorative" val="1"/>
-              </a:ext>
-            </a:extLst>
-          </p:cNvPr>
-          <p:cNvSpPr/>
-          <p:nvPr/>
-        </p:nvSpPr>
-        <p:spPr>
-          <a:xfrm>
-            <a:off x="876981" y="1579771"/>
-            <a:ext cx="2470792" cy="3972988"/>
-          </a:xfrm>
-          <a:prstGeom prst="rect">
-            <a:avLst/>
-          </a:prstGeom>
-          <a:noFill/>
-          <a:ln>
-            <a:solidFill>
-              <a:schemeClr val="bg1">
-                <a:lumMod val="75000"/>
-              </a:schemeClr>
-            </a:solidFill>
-          </a:ln>
-        </p:spPr>
-        <p:style>
-          <a:lnRef idx="2">
-            <a:schemeClr val="accent1">
-              <a:shade val="50000"/>
-            </a:schemeClr>
-          </a:lnRef>
-          <a:fillRef idx="1">
-            <a:schemeClr val="accent1"/>
-          </a:fillRef>
-          <a:effectRef idx="0">
-            <a:schemeClr val="accent1"/>
-          </a:effectRef>
-          <a:fontRef idx="minor">
-            <a:schemeClr val="lt1"/>
-          </a:fontRef>
-        </p:style>
-        <p:txBody>
-          <a:bodyPr wrap="square" rtlCol="0" anchor="ctr">
-            <a:noAutofit/>
-          </a:bodyPr>
-          <a:lstStyle/>
-          <a:p>
-            <a:pPr algn="ctr"/>
-            <a:endParaRPr lang="en-US" dirty="0"/>
-          </a:p>
-        </p:txBody>
-      </p:sp>
-      <p:sp>
-        <p:nvSpPr>
-          <p:cNvPr id="91" name="Rectangle 90">
-            <a:extLst>
-              <a:ext uri="{FF2B5EF4-FFF2-40B4-BE49-F238E27FC236}">
-                <a16:creationId xmlns:a16="http://schemas.microsoft.com/office/drawing/2014/main" id="{C156482F-4317-491F-AFBA-E1AC4F3EE213}"/>
-              </a:ext>
-              <a:ext uri="{C183D7F6-B498-43B3-948B-1728B52AA6E4}">
-                <adec:decorative xmlns:adec="http://schemas.microsoft.com/office/drawing/2017/decorative" val="1"/>
-              </a:ext>
-            </a:extLst>
-          </p:cNvPr>
-          <p:cNvSpPr/>
-          <p:nvPr/>
-        </p:nvSpPr>
-        <p:spPr>
-          <a:xfrm>
-            <a:off x="3608831" y="1579769"/>
-            <a:ext cx="2504689" cy="3972363"/>
-          </a:xfrm>
-          <a:prstGeom prst="rect">
-            <a:avLst/>
-          </a:prstGeom>
-          <a:noFill/>
-          <a:ln>
-            <a:solidFill>
-              <a:schemeClr val="bg1">
-                <a:lumMod val="75000"/>
-              </a:schemeClr>
-            </a:solidFill>
-          </a:ln>
-        </p:spPr>
-        <p:style>
-          <a:lnRef idx="2">
-            <a:schemeClr val="accent1">
-              <a:shade val="50000"/>
-            </a:schemeClr>
-          </a:lnRef>
-          <a:fillRef idx="1">
-            <a:schemeClr val="accent1"/>
-          </a:fillRef>
-          <a:effectRef idx="0">
-            <a:schemeClr val="accent1"/>
-          </a:effectRef>
-          <a:fontRef idx="minor">
-            <a:schemeClr val="lt1"/>
-          </a:fontRef>
-        </p:style>
-        <p:txBody>
-          <a:bodyPr wrap="square" rtlCol="0" anchor="ctr">
-            <a:noAutofit/>
-          </a:bodyPr>
-          <a:lstStyle/>
-          <a:p>
-            <a:pPr algn="ctr"/>
-            <a:endParaRPr lang="en-US" dirty="0"/>
-          </a:p>
-        </p:txBody>
-      </p:sp>
-      <p:sp>
-        <p:nvSpPr>
-          <p:cNvPr id="95" name="Rectangle 94">
-            <a:extLst>
-              <a:ext uri="{FF2B5EF4-FFF2-40B4-BE49-F238E27FC236}">
-                <a16:creationId xmlns:a16="http://schemas.microsoft.com/office/drawing/2014/main" id="{C4F6EFBC-D760-468D-9BF7-FAAD40BF5D52}"/>
-              </a:ext>
-              <a:ext uri="{C183D7F6-B498-43B3-948B-1728B52AA6E4}">
-                <adec:decorative xmlns:adec="http://schemas.microsoft.com/office/drawing/2017/decorative" val="1"/>
-              </a:ext>
-            </a:extLst>
-          </p:cNvPr>
-          <p:cNvSpPr/>
-          <p:nvPr/>
-        </p:nvSpPr>
-        <p:spPr>
-          <a:xfrm>
-            <a:off x="6369806" y="1579770"/>
-            <a:ext cx="2533495" cy="3972362"/>
-          </a:xfrm>
-          <a:prstGeom prst="rect">
-            <a:avLst/>
-          </a:prstGeom>
-          <a:noFill/>
-          <a:ln>
-            <a:solidFill>
-              <a:schemeClr val="bg1">
-                <a:lumMod val="75000"/>
-              </a:schemeClr>
-            </a:solidFill>
-          </a:ln>
-        </p:spPr>
-        <p:style>
-          <a:lnRef idx="2">
-            <a:schemeClr val="accent1">
-              <a:shade val="50000"/>
-            </a:schemeClr>
-          </a:lnRef>
-          <a:fillRef idx="1">
-            <a:schemeClr val="accent1"/>
-          </a:fillRef>
-          <a:effectRef idx="0">
-            <a:schemeClr val="accent1"/>
-          </a:effectRef>
-          <a:fontRef idx="minor">
-            <a:schemeClr val="lt1"/>
-          </a:fontRef>
-        </p:style>
-        <p:txBody>
-          <a:bodyPr wrap="square" rtlCol="0" anchor="ctr">
-            <a:noAutofit/>
-          </a:bodyPr>
-          <a:lstStyle/>
-          <a:p>
-            <a:pPr algn="ctr"/>
-            <a:endParaRPr lang="en-US" dirty="0"/>
-          </a:p>
-        </p:txBody>
-      </p:sp>
-      <p:sp>
-        <p:nvSpPr>
-          <p:cNvPr id="99" name="Rectangle 98">
-            <a:extLst>
-              <a:ext uri="{FF2B5EF4-FFF2-40B4-BE49-F238E27FC236}">
-                <a16:creationId xmlns:a16="http://schemas.microsoft.com/office/drawing/2014/main" id="{3A80BA8B-9E64-46F6-BB41-F59F1B3E9783}"/>
-              </a:ext>
-              <a:ext uri="{C183D7F6-B498-43B3-948B-1728B52AA6E4}">
-                <adec:decorative xmlns:adec="http://schemas.microsoft.com/office/drawing/2017/decorative" val="1"/>
-              </a:ext>
-            </a:extLst>
-          </p:cNvPr>
-          <p:cNvSpPr/>
-          <p:nvPr/>
-        </p:nvSpPr>
-        <p:spPr>
-          <a:xfrm>
-            <a:off x="9058324" y="1579770"/>
-            <a:ext cx="2533495" cy="3972362"/>
-          </a:xfrm>
-          <a:prstGeom prst="rect">
-            <a:avLst/>
-          </a:prstGeom>
-          <a:noFill/>
-          <a:ln>
-            <a:solidFill>
-              <a:schemeClr val="bg1">
-                <a:lumMod val="75000"/>
-              </a:schemeClr>
-            </a:solidFill>
-          </a:ln>
-        </p:spPr>
-        <p:style>
-          <a:lnRef idx="2">
-            <a:schemeClr val="accent1">
-              <a:shade val="50000"/>
-            </a:schemeClr>
-          </a:lnRef>
-          <a:fillRef idx="1">
-            <a:schemeClr val="accent1"/>
-          </a:fillRef>
-          <a:effectRef idx="0">
-            <a:schemeClr val="accent1"/>
-          </a:effectRef>
-          <a:fontRef idx="minor">
-            <a:schemeClr val="lt1"/>
-          </a:fontRef>
-        </p:style>
-        <p:txBody>
-          <a:bodyPr wrap="square" rtlCol="0" anchor="ctr">
-            <a:noAutofit/>
-          </a:bodyPr>
-          <a:lstStyle/>
-          <a:p>
-            <a:pPr algn="ctr"/>
-            <a:endParaRPr lang="en-US" dirty="0"/>
-          </a:p>
-        </p:txBody>
-      </p:sp>
-      <p:sp>
-        <p:nvSpPr>
-          <p:cNvPr id="44" name="TextBox 43">
-            <a:extLst>
-              <a:ext uri="{FF2B5EF4-FFF2-40B4-BE49-F238E27FC236}">
-                <a16:creationId xmlns:a16="http://schemas.microsoft.com/office/drawing/2014/main" id="{AB2D8CCC-2870-4227-ABD9-02D24FF59C9D}"/>
-              </a:ext>
-            </a:extLst>
-          </p:cNvPr>
-          <p:cNvSpPr txBox="1"/>
-          <p:nvPr/>
-        </p:nvSpPr>
-        <p:spPr>
-          <a:xfrm>
-            <a:off x="915085" y="1305241"/>
-            <a:ext cx="2470792" cy="323165"/>
-          </a:xfrm>
-          <a:prstGeom prst="rect">
-            <a:avLst/>
-          </a:prstGeom>
-          <a:noFill/>
-        </p:spPr>
-        <p:txBody>
-          <a:bodyPr wrap="square" rtlCol="0">
-            <a:spAutoFit/>
-          </a:bodyPr>
-          <a:lstStyle/>
-          <a:p>
-            <a:pPr algn="ctr"/>
-            <a:r>
-              <a:rPr lang="en-US" sz="1500" dirty="0">
-                <a:solidFill>
-                  <a:schemeClr val="bg1"/>
-                </a:solidFill>
-                <a:latin typeface="+mj-lt"/>
-                <a:cs typeface="Biome Light" panose="020B0303030204020804" pitchFamily="34" charset="0"/>
-              </a:rPr>
-              <a:t>Feels</a:t>
-            </a:r>
-          </a:p>
-        </p:txBody>
-      </p:sp>
-      <p:sp>
-        <p:nvSpPr>
-          <p:cNvPr id="56" name="TextBox 55">
-            <a:extLst>
-              <a:ext uri="{FF2B5EF4-FFF2-40B4-BE49-F238E27FC236}">
-                <a16:creationId xmlns:a16="http://schemas.microsoft.com/office/drawing/2014/main" id="{B91474A0-3948-4481-B3F1-1BD1F9FD5596}"/>
-              </a:ext>
-            </a:extLst>
-          </p:cNvPr>
-          <p:cNvSpPr txBox="1"/>
-          <p:nvPr/>
-        </p:nvSpPr>
-        <p:spPr>
-          <a:xfrm>
-            <a:off x="6306091" y="1270507"/>
-            <a:ext cx="2550884" cy="338554"/>
-          </a:xfrm>
-          <a:prstGeom prst="rect">
-            <a:avLst/>
-          </a:prstGeom>
-          <a:noFill/>
-        </p:spPr>
-        <p:txBody>
-          <a:bodyPr wrap="square" rtlCol="0">
-            <a:spAutoFit/>
-          </a:bodyPr>
-          <a:lstStyle/>
-          <a:p>
-            <a:pPr algn="ctr"/>
-            <a:r>
-              <a:rPr lang="en-US" sz="1600" dirty="0">
-                <a:solidFill>
-                  <a:schemeClr val="bg1"/>
-                </a:solidFill>
-                <a:latin typeface="+mj-lt"/>
-                <a:cs typeface="Biome Light" panose="020B0303030204020804" pitchFamily="34" charset="0"/>
-              </a:rPr>
-              <a:t>Does</a:t>
-            </a:r>
-          </a:p>
-        </p:txBody>
-      </p:sp>
-      <p:sp>
-        <p:nvSpPr>
-          <p:cNvPr id="62" name="TextBox 61">
-            <a:extLst>
-              <a:ext uri="{FF2B5EF4-FFF2-40B4-BE49-F238E27FC236}">
-                <a16:creationId xmlns:a16="http://schemas.microsoft.com/office/drawing/2014/main" id="{04CD836B-A190-4A59-9ACF-3B40EAEA9BCB}"/>
-              </a:ext>
-            </a:extLst>
-          </p:cNvPr>
-          <p:cNvSpPr txBox="1"/>
-          <p:nvPr/>
-        </p:nvSpPr>
-        <p:spPr>
-          <a:xfrm>
-            <a:off x="9034538" y="1272034"/>
-            <a:ext cx="2550883" cy="338554"/>
-          </a:xfrm>
-          <a:prstGeom prst="rect">
-            <a:avLst/>
-          </a:prstGeom>
-          <a:noFill/>
-        </p:spPr>
-        <p:txBody>
-          <a:bodyPr wrap="square" rtlCol="0">
-            <a:spAutoFit/>
-          </a:bodyPr>
-          <a:lstStyle/>
-          <a:p>
-            <a:pPr algn="ctr"/>
-            <a:r>
-              <a:rPr lang="en-US" sz="1600" dirty="0">
-                <a:solidFill>
-                  <a:schemeClr val="bg1"/>
-                </a:solidFill>
-                <a:latin typeface="+mj-lt"/>
-                <a:cs typeface="Biome Light" panose="020B0303030204020804" pitchFamily="34" charset="0"/>
-              </a:rPr>
-              <a:t>Says</a:t>
-            </a:r>
-          </a:p>
-        </p:txBody>
-      </p:sp>
-      <p:sp>
-        <p:nvSpPr>
-          <p:cNvPr id="68" name="TextBox 67">
-            <a:extLst>
-              <a:ext uri="{FF2B5EF4-FFF2-40B4-BE49-F238E27FC236}">
-                <a16:creationId xmlns:a16="http://schemas.microsoft.com/office/drawing/2014/main" id="{C9097234-38E0-4114-A29F-508805824B65}"/>
-              </a:ext>
-            </a:extLst>
-          </p:cNvPr>
-          <p:cNvSpPr txBox="1"/>
-          <p:nvPr/>
-        </p:nvSpPr>
-        <p:spPr>
-          <a:xfrm>
-            <a:off x="1076993" y="1902935"/>
-            <a:ext cx="2085110" cy="453407"/>
-          </a:xfrm>
-          <a:prstGeom prst="rect">
-            <a:avLst/>
-          </a:prstGeom>
-          <a:noFill/>
-        </p:spPr>
-        <p:txBody>
-          <a:bodyPr wrap="square" rIns="0" rtlCol="0">
-            <a:noAutofit/>
-          </a:bodyPr>
-          <a:lstStyle/>
-          <a:p>
-            <a:pPr marL="285750" indent="-285750">
-              <a:buFont typeface="Arial" panose="020B0604020202020204" pitchFamily="34" charset="0"/>
-              <a:buChar char="•"/>
-            </a:pPr>
-            <a:r>
-              <a:rPr lang="en-US" b="1" dirty="0">
-                <a:latin typeface="+mj-lt"/>
-                <a:cs typeface="Biome Light" panose="020B0303030204020804" pitchFamily="34" charset="0"/>
-              </a:rPr>
-              <a:t>Completed</a:t>
-            </a:r>
-            <a:br>
-              <a:rPr lang="en-US" b="1" dirty="0">
-                <a:latin typeface="+mj-lt"/>
-                <a:cs typeface="Biome Light" panose="020B0303030204020804" pitchFamily="34" charset="0"/>
-              </a:rPr>
-            </a:br>
-            <a:endParaRPr lang="en-US" sz="1400" dirty="0">
-              <a:cs typeface="Biome Light" panose="020B0303030204020804" pitchFamily="34" charset="0"/>
-            </a:endParaRPr>
-          </a:p>
-        </p:txBody>
-      </p:sp>
-      <p:sp>
-        <p:nvSpPr>
-          <p:cNvPr id="4" name="TextBox 3">
-            <a:extLst>
-              <a:ext uri="{FF2B5EF4-FFF2-40B4-BE49-F238E27FC236}">
-                <a16:creationId xmlns:a16="http://schemas.microsoft.com/office/drawing/2014/main" id="{F289E278-8976-4219-B8E5-16D2E65CD0E0}"/>
-              </a:ext>
-            </a:extLst>
-          </p:cNvPr>
-          <p:cNvSpPr txBox="1"/>
-          <p:nvPr/>
-        </p:nvSpPr>
-        <p:spPr>
-          <a:xfrm>
-            <a:off x="3830658" y="1902935"/>
-            <a:ext cx="2085110" cy="453407"/>
-          </a:xfrm>
-          <a:prstGeom prst="rect">
-            <a:avLst/>
-          </a:prstGeom>
-          <a:noFill/>
-        </p:spPr>
-        <p:txBody>
-          <a:bodyPr wrap="square" rIns="0" rtlCol="0">
-            <a:noAutofit/>
-          </a:bodyPr>
-          <a:lstStyle/>
-          <a:p>
-            <a:pPr marL="285750" indent="-285750">
-              <a:buFont typeface="Arial" panose="020B0604020202020204" pitchFamily="34" charset="0"/>
-              <a:buChar char="•"/>
-            </a:pPr>
-            <a:r>
-              <a:rPr lang="en-US" b="1" dirty="0">
-                <a:latin typeface="+mj-lt"/>
-                <a:cs typeface="Biome Light" panose="020B0303030204020804" pitchFamily="34" charset="0"/>
-              </a:rPr>
-              <a:t>In Progress…</a:t>
-            </a:r>
-            <a:br>
-              <a:rPr lang="en-US" b="1" dirty="0">
-                <a:latin typeface="+mj-lt"/>
-                <a:cs typeface="Biome Light" panose="020B0303030204020804" pitchFamily="34" charset="0"/>
-              </a:rPr>
-            </a:br>
-            <a:endParaRPr lang="en-US" sz="1400" dirty="0">
-              <a:cs typeface="Biome Light" panose="020B0303030204020804" pitchFamily="34" charset="0"/>
-            </a:endParaRPr>
-          </a:p>
-        </p:txBody>
-      </p:sp>
-      <p:sp>
-        <p:nvSpPr>
-          <p:cNvPr id="5" name="TextBox 4">
-            <a:extLst>
-              <a:ext uri="{FF2B5EF4-FFF2-40B4-BE49-F238E27FC236}">
-                <a16:creationId xmlns:a16="http://schemas.microsoft.com/office/drawing/2014/main" id="{9E60F69B-8088-4A76-862A-5DC3B7B099A1}"/>
-              </a:ext>
-            </a:extLst>
-          </p:cNvPr>
-          <p:cNvSpPr txBox="1"/>
-          <p:nvPr/>
-        </p:nvSpPr>
-        <p:spPr>
-          <a:xfrm>
-            <a:off x="6538978" y="1899110"/>
-            <a:ext cx="2085110" cy="453407"/>
-          </a:xfrm>
-          <a:prstGeom prst="rect">
-            <a:avLst/>
-          </a:prstGeom>
-          <a:noFill/>
-        </p:spPr>
-        <p:txBody>
-          <a:bodyPr wrap="square" rIns="0" rtlCol="0">
-            <a:noAutofit/>
-          </a:bodyPr>
-          <a:lstStyle/>
-          <a:p>
-            <a:pPr marL="285750" indent="-285750">
-              <a:buFont typeface="Arial" panose="020B0604020202020204" pitchFamily="34" charset="0"/>
-              <a:buChar char="•"/>
-            </a:pPr>
-            <a:r>
-              <a:rPr lang="en-US" b="1" dirty="0">
-                <a:latin typeface="+mj-lt"/>
-                <a:cs typeface="Biome Light" panose="020B0303030204020804" pitchFamily="34" charset="0"/>
-              </a:rPr>
-              <a:t>Pending</a:t>
-            </a:r>
-          </a:p>
-        </p:txBody>
-      </p:sp>
-      <p:sp>
-        <p:nvSpPr>
-          <p:cNvPr id="7" name="TextBox 6">
-            <a:extLst>
-              <a:ext uri="{FF2B5EF4-FFF2-40B4-BE49-F238E27FC236}">
-                <a16:creationId xmlns:a16="http://schemas.microsoft.com/office/drawing/2014/main" id="{F44673B4-C0B9-43A0-B642-C8D78A87A514}"/>
-              </a:ext>
-            </a:extLst>
-          </p:cNvPr>
-          <p:cNvSpPr txBox="1"/>
-          <p:nvPr/>
-        </p:nvSpPr>
-        <p:spPr>
-          <a:xfrm>
-            <a:off x="9282516" y="1910816"/>
-            <a:ext cx="2085110" cy="453407"/>
-          </a:xfrm>
-          <a:prstGeom prst="rect">
-            <a:avLst/>
-          </a:prstGeom>
-          <a:noFill/>
-        </p:spPr>
-        <p:txBody>
-          <a:bodyPr wrap="square" rIns="0" rtlCol="0">
-            <a:noAutofit/>
-          </a:bodyPr>
-          <a:lstStyle/>
-          <a:p>
-            <a:pPr marL="285750" indent="-285750">
-              <a:buFont typeface="Arial" panose="020B0604020202020204" pitchFamily="34" charset="0"/>
-              <a:buChar char="•"/>
-            </a:pPr>
-            <a:r>
-              <a:rPr lang="en-US" b="1" dirty="0">
-                <a:latin typeface="+mj-lt"/>
-                <a:cs typeface="Biome Light" panose="020B0303030204020804" pitchFamily="34" charset="0"/>
-              </a:rPr>
-              <a:t>Pending</a:t>
-            </a:r>
-          </a:p>
-        </p:txBody>
-      </p:sp>
-      <p:sp>
-        <p:nvSpPr>
-          <p:cNvPr id="41" name="TextBox 40">
-            <a:extLst>
-              <a:ext uri="{FF2B5EF4-FFF2-40B4-BE49-F238E27FC236}">
-                <a16:creationId xmlns:a16="http://schemas.microsoft.com/office/drawing/2014/main" id="{38619C28-126E-4AFB-AEB9-BA1414B28899}"/>
-              </a:ext>
-            </a:extLst>
-          </p:cNvPr>
-          <p:cNvSpPr txBox="1"/>
-          <p:nvPr/>
-        </p:nvSpPr>
-        <p:spPr>
-          <a:xfrm>
-            <a:off x="3657736" y="1305867"/>
-            <a:ext cx="2470792" cy="323165"/>
-          </a:xfrm>
-          <a:prstGeom prst="rect">
-            <a:avLst/>
-          </a:prstGeom>
-          <a:noFill/>
-        </p:spPr>
-        <p:txBody>
-          <a:bodyPr wrap="square" rtlCol="0">
-            <a:spAutoFit/>
-          </a:bodyPr>
-          <a:lstStyle/>
-          <a:p>
-            <a:pPr algn="ctr"/>
-            <a:r>
-              <a:rPr lang="en-US" sz="1500" dirty="0">
-                <a:solidFill>
-                  <a:schemeClr val="bg1"/>
-                </a:solidFill>
-                <a:latin typeface="+mj-lt"/>
-                <a:cs typeface="Biome Light" panose="020B0303030204020804" pitchFamily="34" charset="0"/>
-              </a:rPr>
-              <a:t>Thinks</a:t>
-            </a:r>
-          </a:p>
-        </p:txBody>
-      </p:sp>
-    </p:spTree>
-    <p:extLst>
-      <p:ext uri="{BB962C8B-B14F-4D97-AF65-F5344CB8AC3E}">
-        <p14:creationId xmlns:p14="http://schemas.microsoft.com/office/powerpoint/2010/main" val="1856314060"/>
-      </p:ext>
-    </p:extLst>
-  </p:cSld>
-  <p:clrMapOvr>
-    <a:masterClrMapping/>
-  </p:clrMapOvr>
-</p:sld>
-</file>
-
 <file path=ppt/slides/slide5.xml><?xml version="1.0" encoding="utf-8"?>
-<p:sld xmlns:a="http://schemas.openxmlformats.org/drawingml/2006/main" xmlns:r="http://schemas.openxmlformats.org/officeDocument/2006/relationships" xmlns:p="http://schemas.openxmlformats.org/presentationml/2006/main">
-  <p:cSld>
-    <p:spTree>
-      <p:nvGrpSpPr>
-        <p:cNvPr id="1" name=""/>
-        <p:cNvGrpSpPr/>
-        <p:nvPr/>
-      </p:nvGrpSpPr>
-      <p:grpSpPr>
-        <a:xfrm>
-          <a:off x="0" y="0"/>
-          <a:ext cx="0" cy="0"/>
-          <a:chOff x="0" y="0"/>
-          <a:chExt cx="0" cy="0"/>
-        </a:xfrm>
-      </p:grpSpPr>
-      <p:sp>
-        <p:nvSpPr>
-          <p:cNvPr id="2" name="Title 1">
-            <a:extLst>
-              <a:ext uri="{FF2B5EF4-FFF2-40B4-BE49-F238E27FC236}">
-                <a16:creationId xmlns:a16="http://schemas.microsoft.com/office/drawing/2014/main" id="{9B573800-E085-44CD-B7EE-D7D698E3D8EA}"/>
-              </a:ext>
-            </a:extLst>
-          </p:cNvPr>
-          <p:cNvSpPr>
-            <a:spLocks noGrp="1"/>
-          </p:cNvSpPr>
-          <p:nvPr>
-            <p:ph type="title"/>
-          </p:nvPr>
-        </p:nvSpPr>
-        <p:spPr/>
-        <p:txBody>
-          <a:bodyPr/>
-          <a:lstStyle/>
-          <a:p>
-            <a:r>
-              <a:rPr lang="en-IN" dirty="0"/>
-              <a:t>Re</a:t>
-            </a:r>
-          </a:p>
-        </p:txBody>
-      </p:sp>
-    </p:spTree>
-    <p:extLst>
-      <p:ext uri="{BB962C8B-B14F-4D97-AF65-F5344CB8AC3E}">
-        <p14:creationId xmlns:p14="http://schemas.microsoft.com/office/powerpoint/2010/main" val="4270665856"/>
-      </p:ext>
-    </p:extLst>
-  </p:cSld>
-  <p:clrMapOvr>
-    <a:masterClrMapping/>
-  </p:clrMapOvr>
-</p:sld>
-</file>
-
-<file path=ppt/slides/slide6.xml><?xml version="1.0" encoding="utf-8"?>
 <p:sld xmlns:a="http://schemas.openxmlformats.org/drawingml/2006/main" xmlns:r="http://schemas.openxmlformats.org/officeDocument/2006/relationships" xmlns:p="http://schemas.openxmlformats.org/presentationml/2006/main">
   <p:cSld>
     <p:bg>
@@ -10684,6 +11127,33 @@
               <a:defRPr/>
             </a:pPr>
             <a:r>
+              <a:rPr lang="en-US" b="1" dirty="0">
+                <a:solidFill>
+                  <a:schemeClr val="accent4"/>
+                </a:solidFill>
+                <a:latin typeface="+mj-lt"/>
+                <a:cs typeface="Biome Light" panose="020B0303030204020804" pitchFamily="34" charset="0"/>
+              </a:rPr>
+              <a:t>A</a:t>
+            </a:r>
+            <a:r>
+              <a:rPr kumimoji="0" lang="en-US" b="1" i="0" u="none" strike="noStrike" kern="1200" cap="none" spc="0" normalizeH="0" baseline="0" noProof="0" dirty="0" err="1">
+                <a:ln>
+                  <a:noFill/>
+                </a:ln>
+                <a:solidFill>
+                  <a:schemeClr val="accent4"/>
+                </a:solidFill>
+                <a:effectLst/>
+                <a:uLnTx/>
+                <a:uFillTx/>
+                <a:latin typeface="+mj-lt"/>
+                <a:ea typeface="+mn-ea"/>
+                <a:cs typeface="Biome Light" panose="020B0303030204020804" pitchFamily="34" charset="0"/>
+              </a:rPr>
+              <a:t>cadamic</a:t>
+            </a:r>
+            <a:r>
               <a:rPr kumimoji="0" lang="en-US" b="1" i="0" u="none" strike="noStrike" kern="1200" cap="none" spc="0" normalizeH="0" baseline="0" noProof="0" dirty="0">
                 <a:ln>
                   <a:noFill/>
@@ -10698,7 +11168,7 @@
                 <a:ea typeface="+mn-ea"/>
                 <a:cs typeface="Biome Light" panose="020B0303030204020804" pitchFamily="34" charset="0"/>
               </a:rPr>
-              <a:t>Using emerging technologies</a:t>
+              <a:t> Growth</a:t>
             </a:r>
           </a:p>
           <a:p>
@@ -10888,7 +11358,7 @@
                 <a:ea typeface="+mn-ea"/>
                 <a:cs typeface="Biome Light" panose="020B0303030204020804" pitchFamily="34" charset="0"/>
               </a:rPr>
-              <a:t>Low Entry Fee</a:t>
+              <a:t>Alumni Association</a:t>
             </a:r>
           </a:p>
           <a:p>
@@ -10921,7 +11391,7 @@
                 <a:ea typeface="+mn-ea"/>
                 <a:cs typeface="Biome Light" panose="020B0303030204020804" pitchFamily="34" charset="0"/>
               </a:rPr>
-              <a:t>Cause of low entry fee most students can benefit from the from.</a:t>
+              <a:t>The community will be always active with the help of alumni’s of the organization.</a:t>
             </a:r>
           </a:p>
         </p:txBody>
@@ -11111,7 +11581,7 @@
                 <a:ea typeface="+mn-ea"/>
                 <a:cs typeface="Biome Light" panose="020B0303030204020804" pitchFamily="34" charset="0"/>
               </a:rPr>
-              <a:t>Easy to request a scholarship with an user friendly form and </a:t>
+              <a:t>Easy to request for funds through online and easy withdrawal.</a:t>
             </a:r>
           </a:p>
         </p:txBody>
@@ -11293,7 +11763,7 @@
               <a:rPr lang="en-US" sz="1600" dirty="0">
                 <a:cs typeface="Biome Light" panose="020B0303030204020804" pitchFamily="34" charset="0"/>
               </a:rPr>
-              <a:t>Every single cent donate by forum member will glow a students life.</a:t>
+              <a:t>Every single cent donate by community members will glow a students life.</a:t>
             </a:r>
             <a:endParaRPr lang="en-US" sz="1600" dirty="0"/>
           </a:p>
@@ -11451,7 +11921,7 @@
                 <a:ea typeface="+mn-ea"/>
                 <a:cs typeface="Biome Light" panose="020B0303030204020804" pitchFamily="34" charset="0"/>
               </a:rPr>
-              <a:t>Sharing Success</a:t>
+              <a:t>Emotional Attachment</a:t>
             </a:r>
           </a:p>
           <a:p>
@@ -11473,18 +11943,10 @@
               <a:defRPr/>
             </a:pPr>
             <a:r>
-              <a:rPr kumimoji="0" lang="en-US" sz="1600" b="0" i="0" u="none" strike="noStrike" kern="1200" cap="none" spc="0" normalizeH="0" baseline="0" noProof="0" dirty="0">
-                <a:ln>
-                  <a:noFill/>
-                </a:ln>
-                <a:effectLst/>
-                <a:uLnTx/>
-                <a:uFillTx/>
-                <a:latin typeface="+mn-lt"/>
-                <a:ea typeface="+mn-ea"/>
+              <a:rPr lang="en-US" sz="1600" dirty="0">
                 <a:cs typeface="Biome Light" panose="020B0303030204020804" pitchFamily="34" charset="0"/>
               </a:rPr>
-              <a:t>Who won using our financial aid will be shared through out the forum and gets appreciated.</a:t>
+              <a:t>Cause of emotional attachment between the students on the organization crowdfunding will be successful.</a:t>
             </a:r>
             <a:endParaRPr lang="en-US" sz="1600" dirty="0"/>
           </a:p>
@@ -11494,6 +11956,836 @@
     <p:extLst>
       <p:ext uri="{BB962C8B-B14F-4D97-AF65-F5344CB8AC3E}">
         <p14:creationId xmlns:p14="http://schemas.microsoft.com/office/powerpoint/2010/main" val="4120671462"/>
+      </p:ext>
+    </p:extLst>
+  </p:cSld>
+  <p:clrMapOvr>
+    <a:masterClrMapping/>
+  </p:clrMapOvr>
+</p:sld>
+</file>
+
+<file path=ppt/slides/slide6.xml><?xml version="1.0" encoding="utf-8"?>
+<p:sld xmlns:a="http://schemas.openxmlformats.org/drawingml/2006/main" xmlns:r="http://schemas.openxmlformats.org/officeDocument/2006/relationships" xmlns:p="http://schemas.openxmlformats.org/presentationml/2006/main">
+  <p:cSld>
+    <p:spTree>
+      <p:nvGrpSpPr>
+        <p:cNvPr id="1" name=""/>
+        <p:cNvGrpSpPr/>
+        <p:nvPr/>
+      </p:nvGrpSpPr>
+      <p:grpSpPr>
+        <a:xfrm>
+          <a:off x="0" y="0"/>
+          <a:ext cx="0" cy="0"/>
+          <a:chOff x="0" y="0"/>
+          <a:chExt cx="0" cy="0"/>
+        </a:xfrm>
+      </p:grpSpPr>
+      <p:sp>
+        <p:nvSpPr>
+          <p:cNvPr id="5" name="Title 4">
+            <a:extLst>
+              <a:ext uri="{FF2B5EF4-FFF2-40B4-BE49-F238E27FC236}">
+                <a16:creationId xmlns:a16="http://schemas.microsoft.com/office/drawing/2014/main" id="{91EF53E3-F88C-4203-A489-8C9D57513DF6}"/>
+              </a:ext>
+            </a:extLst>
+          </p:cNvPr>
+          <p:cNvSpPr>
+            <a:spLocks noGrp="1"/>
+          </p:cNvSpPr>
+          <p:nvPr>
+            <p:ph type="title"/>
+          </p:nvPr>
+        </p:nvSpPr>
+        <p:spPr>
+          <a:xfrm>
+            <a:off x="660399" y="318652"/>
+            <a:ext cx="5497120" cy="830997"/>
+          </a:xfrm>
+        </p:spPr>
+        <p:txBody>
+          <a:bodyPr/>
+          <a:lstStyle/>
+          <a:p>
+            <a:r>
+              <a:rPr lang="en-US" dirty="0"/>
+              <a:t>Literature Survey</a:t>
+            </a:r>
+          </a:p>
+        </p:txBody>
+      </p:sp>
+      <p:graphicFrame>
+        <p:nvGraphicFramePr>
+          <p:cNvPr id="2" name="Table 2">
+            <a:extLst>
+              <a:ext uri="{FF2B5EF4-FFF2-40B4-BE49-F238E27FC236}">
+                <a16:creationId xmlns:a16="http://schemas.microsoft.com/office/drawing/2014/main" id="{08AAE3B6-D235-436B-A4EC-F468FB62CD5D}"/>
+              </a:ext>
+            </a:extLst>
+          </p:cNvPr>
+          <p:cNvGraphicFramePr>
+            <a:graphicFrameLocks noGrp="1"/>
+          </p:cNvGraphicFramePr>
+          <p:nvPr>
+            <p:extLst>
+              <p:ext uri="{D42A27DB-BD31-4B8C-83A1-F6EECF244321}">
+                <p14:modId xmlns:p14="http://schemas.microsoft.com/office/powerpoint/2010/main" val="2998829084"/>
+              </p:ext>
+            </p:extLst>
+          </p:nvPr>
+        </p:nvGraphicFramePr>
+        <p:xfrm>
+          <a:off x="660399" y="1149649"/>
+          <a:ext cx="11134521" cy="5120640"/>
+        </p:xfrm>
+        <a:graphic>
+          <a:graphicData uri="http://schemas.openxmlformats.org/drawingml/2006/table">
+            <a:tbl>
+              <a:tblPr firstRow="1" bandRow="1">
+                <a:tableStyleId>{6E25E649-3F16-4E02-A733-19D2CDBF48F0}</a:tableStyleId>
+              </a:tblPr>
+              <a:tblGrid>
+                <a:gridCol w="3711507">
+                  <a:extLst>
+                    <a:ext uri="{9D8B030D-6E8A-4147-A177-3AD203B41FA5}">
+                      <a16:colId xmlns:a16="http://schemas.microsoft.com/office/drawing/2014/main" val="1466334010"/>
+                    </a:ext>
+                  </a:extLst>
+                </a:gridCol>
+                <a:gridCol w="3711507">
+                  <a:extLst>
+                    <a:ext uri="{9D8B030D-6E8A-4147-A177-3AD203B41FA5}">
+                      <a16:colId xmlns:a16="http://schemas.microsoft.com/office/drawing/2014/main" val="21174850"/>
+                    </a:ext>
+                  </a:extLst>
+                </a:gridCol>
+                <a:gridCol w="3711507">
+                  <a:extLst>
+                    <a:ext uri="{9D8B030D-6E8A-4147-A177-3AD203B41FA5}">
+                      <a16:colId xmlns:a16="http://schemas.microsoft.com/office/drawing/2014/main" val="3198616081"/>
+                    </a:ext>
+                  </a:extLst>
+                </a:gridCol>
+              </a:tblGrid>
+              <a:tr h="361918">
+                <a:tc>
+                  <a:txBody>
+                    <a:bodyPr/>
+                    <a:lstStyle/>
+                    <a:p>
+                      <a:r>
+                        <a:rPr lang="en-IN" dirty="0"/>
+                        <a:t>Project</a:t>
+                      </a:r>
+                    </a:p>
+                  </a:txBody>
+                  <a:tcPr/>
+                </a:tc>
+                <a:tc>
+                  <a:txBody>
+                    <a:bodyPr/>
+                    <a:lstStyle/>
+                    <a:p>
+                      <a:r>
+                        <a:rPr lang="en-IN" dirty="0"/>
+                        <a:t>Done by</a:t>
+                      </a:r>
+                    </a:p>
+                  </a:txBody>
+                  <a:tcPr/>
+                </a:tc>
+                <a:tc>
+                  <a:txBody>
+                    <a:bodyPr/>
+                    <a:lstStyle/>
+                    <a:p>
+                      <a:r>
+                        <a:rPr lang="en-IN" dirty="0"/>
+                        <a:t>Published on</a:t>
+                      </a:r>
+                    </a:p>
+                  </a:txBody>
+                  <a:tcPr/>
+                </a:tc>
+                <a:extLst>
+                  <a:ext uri="{0D108BD9-81ED-4DB2-BD59-A6C34878D82A}">
+                    <a16:rowId xmlns:a16="http://schemas.microsoft.com/office/drawing/2014/main" val="439294760"/>
+                  </a:ext>
+                </a:extLst>
+              </a:tr>
+              <a:tr h="873261">
+                <a:tc>
+                  <a:txBody>
+                    <a:bodyPr/>
+                    <a:lstStyle/>
+                    <a:p>
+                      <a:pPr marL="0" marR="0" lvl="0" indent="0" algn="l" defTabSz="914400" rtl="0" eaLnBrk="1" fontAlgn="auto" latinLnBrk="0" hangingPunct="1">
+                        <a:lnSpc>
+                          <a:spcPct val="100000"/>
+                        </a:lnSpc>
+                        <a:spcBef>
+                          <a:spcPts val="0"/>
+                        </a:spcBef>
+                        <a:spcAft>
+                          <a:spcPts val="0"/>
+                        </a:spcAft>
+                        <a:buClrTx/>
+                        <a:buSzTx/>
+                        <a:buFontTx/>
+                        <a:buNone/>
+                        <a:tabLst/>
+                        <a:defRPr/>
+                      </a:pPr>
+                      <a:r>
+                        <a:rPr lang="en-US" sz="1800" b="0" i="0" kern="1200" dirty="0">
+                          <a:solidFill>
+                            <a:schemeClr val="dk1"/>
+                          </a:solidFill>
+                          <a:effectLst/>
+                          <a:latin typeface="+mn-lt"/>
+                          <a:ea typeface="+mn-ea"/>
+                          <a:cs typeface="+mn-cs"/>
+                        </a:rPr>
+                        <a:t>Crowdfunding in higher education: evidence from UK Universities</a:t>
+                      </a:r>
+                    </a:p>
+                    <a:p>
+                      <a:endParaRPr lang="en-IN" dirty="0"/>
+                    </a:p>
+                  </a:txBody>
+                  <a:tcPr/>
+                </a:tc>
+                <a:tc>
+                  <a:txBody>
+                    <a:bodyPr/>
+                    <a:lstStyle/>
+                    <a:p>
+                      <a:r>
+                        <a:rPr lang="en-IN" sz="1800" b="0" kern="1200" dirty="0">
+                          <a:solidFill>
+                            <a:schemeClr val="tx1"/>
+                          </a:solidFill>
+                          <a:effectLst/>
+                          <a:latin typeface="+mn-lt"/>
+                          <a:ea typeface="+mn-ea"/>
+                          <a:cs typeface="+mn-cs"/>
+                          <a:hlinkClick r:id="rId3">
+                            <a:extLst>
+                              <a:ext uri="{A12FA001-AC4F-418D-AE19-62706E023703}">
+                                <ahyp:hlinkClr xmlns:ahyp="http://schemas.microsoft.com/office/drawing/2018/hyperlinkcolor" val="tx"/>
+                              </a:ext>
+                            </a:extLst>
+                          </a:hlinkClick>
+                        </a:rPr>
+                        <a:t>Hugo Horta</a:t>
+                      </a:r>
+                      <a:r>
+                        <a:rPr lang="en-IN" b="0" dirty="0">
+                          <a:solidFill>
+                            <a:schemeClr val="tx1"/>
+                          </a:solidFill>
+                        </a:rPr>
+                        <a:t>, </a:t>
+                      </a:r>
+                      <a:r>
+                        <a:rPr lang="en-IN" sz="1800" b="0" kern="1200" dirty="0">
+                          <a:solidFill>
+                            <a:srgbClr val="9454C3"/>
+                          </a:solidFill>
+                          <a:effectLst/>
+                          <a:latin typeface="+mn-lt"/>
+                          <a:ea typeface="+mn-ea"/>
+                          <a:cs typeface="+mn-cs"/>
+                          <a:hlinkClick r:id="rId4">
+                            <a:extLst>
+                              <a:ext uri="{A12FA001-AC4F-418D-AE19-62706E023703}">
+                                <ahyp:hlinkClr xmlns:ahyp="http://schemas.microsoft.com/office/drawing/2018/hyperlinkcolor" val="tx"/>
+                              </a:ext>
+                            </a:extLst>
+                          </a:hlinkClick>
+                        </a:rPr>
+                        <a:t>Michele </a:t>
+                      </a:r>
+                      <a:r>
+                        <a:rPr lang="en-IN" sz="1800" b="0" kern="1200" dirty="0" err="1">
+                          <a:solidFill>
+                            <a:schemeClr val="tx1"/>
+                          </a:solidFill>
+                          <a:effectLst/>
+                          <a:latin typeface="+mn-lt"/>
+                          <a:ea typeface="+mn-ea"/>
+                          <a:cs typeface="+mn-cs"/>
+                          <a:hlinkClick r:id="rId4">
+                            <a:extLst>
+                              <a:ext uri="{A12FA001-AC4F-418D-AE19-62706E023703}">
+                                <ahyp:hlinkClr xmlns:ahyp="http://schemas.microsoft.com/office/drawing/2018/hyperlinkcolor" val="tx"/>
+                              </a:ext>
+                            </a:extLst>
+                          </a:hlinkClick>
+                        </a:rPr>
+                        <a:t>Meoli</a:t>
+                      </a:r>
+                      <a:r>
+                        <a:rPr lang="en-IN" b="0" dirty="0">
+                          <a:solidFill>
+                            <a:schemeClr val="tx1"/>
+                          </a:solidFill>
+                        </a:rPr>
+                        <a:t> &amp; </a:t>
+                      </a:r>
+                      <a:r>
+                        <a:rPr lang="en-IN" sz="1800" b="0" kern="1200" dirty="0">
+                          <a:solidFill>
+                            <a:schemeClr val="tx1"/>
+                          </a:solidFill>
+                          <a:effectLst/>
+                          <a:latin typeface="+mn-lt"/>
+                          <a:ea typeface="+mn-ea"/>
+                          <a:cs typeface="+mn-cs"/>
+                          <a:hlinkClick r:id="rId5">
+                            <a:extLst>
+                              <a:ext uri="{A12FA001-AC4F-418D-AE19-62706E023703}">
+                                <ahyp:hlinkClr xmlns:ahyp="http://schemas.microsoft.com/office/drawing/2018/hyperlinkcolor" val="tx"/>
+                              </a:ext>
+                            </a:extLst>
+                          </a:hlinkClick>
+                        </a:rPr>
+                        <a:t>Silvio Vismara</a:t>
+                      </a:r>
+                      <a:r>
+                        <a:rPr lang="en-IN" b="0" dirty="0">
+                          <a:solidFill>
+                            <a:schemeClr val="tx1"/>
+                          </a:solidFill>
+                        </a:rPr>
+                        <a:t> </a:t>
+                      </a:r>
+                    </a:p>
+                  </a:txBody>
+                  <a:tcPr/>
+                </a:tc>
+                <a:tc>
+                  <a:txBody>
+                    <a:bodyPr/>
+                    <a:lstStyle/>
+                    <a:p>
+                      <a:r>
+                        <a:rPr lang="en-IN" dirty="0"/>
+                        <a:t>17 March 2021</a:t>
+                      </a:r>
+                    </a:p>
+                  </a:txBody>
+                  <a:tcPr/>
+                </a:tc>
+                <a:extLst>
+                  <a:ext uri="{0D108BD9-81ED-4DB2-BD59-A6C34878D82A}">
+                    <a16:rowId xmlns:a16="http://schemas.microsoft.com/office/drawing/2014/main" val="938574335"/>
+                  </a:ext>
+                </a:extLst>
+              </a:tr>
+              <a:tr h="1135240">
+                <a:tc>
+                  <a:txBody>
+                    <a:bodyPr/>
+                    <a:lstStyle/>
+                    <a:p>
+                      <a:r>
+                        <a:rPr lang="en-US" sz="1800" b="0" i="0" kern="1200" dirty="0">
+                          <a:solidFill>
+                            <a:schemeClr val="dk1"/>
+                          </a:solidFill>
+                          <a:effectLst/>
+                          <a:latin typeface="+mn-lt"/>
+                          <a:ea typeface="+mn-ea"/>
+                          <a:cs typeface="+mn-cs"/>
+                        </a:rPr>
+                        <a:t>Higher education and stakeholders’ donations: successful civic crowdfunding in an Italian university</a:t>
+                      </a:r>
+                      <a:endParaRPr lang="en-IN" b="0" dirty="0"/>
+                    </a:p>
+                  </a:txBody>
+                  <a:tcPr/>
+                </a:tc>
+                <a:tc>
+                  <a:txBody>
+                    <a:bodyPr/>
+                    <a:lstStyle/>
+                    <a:p>
+                      <a:r>
+                        <a:rPr lang="it-IT" sz="1800" b="0" i="0" u="none" strike="noStrike" kern="1200" dirty="0">
+                          <a:solidFill>
+                            <a:schemeClr val="tx1"/>
+                          </a:solidFill>
+                          <a:effectLst/>
+                          <a:latin typeface="+mn-lt"/>
+                          <a:ea typeface="+mn-ea"/>
+                          <a:cs typeface="+mn-cs"/>
+                          <a:hlinkClick r:id="rId6">
+                            <a:extLst>
+                              <a:ext uri="{A12FA001-AC4F-418D-AE19-62706E023703}">
+                                <ahyp:hlinkClr xmlns:ahyp="http://schemas.microsoft.com/office/drawing/2018/hyperlinkcolor" val="tx"/>
+                              </a:ext>
+                            </a:extLst>
+                          </a:hlinkClick>
+                        </a:rPr>
+                        <a:t>Nathalie Colasanti</a:t>
+                      </a:r>
+                      <a:endParaRPr lang="it-IT" sz="1800" b="0" i="0" u="none" strike="noStrike" kern="1200" dirty="0">
+                        <a:solidFill>
+                          <a:schemeClr val="tx1"/>
+                        </a:solidFill>
+                        <a:effectLst/>
+                        <a:latin typeface="+mn-lt"/>
+                        <a:ea typeface="+mn-ea"/>
+                        <a:cs typeface="+mn-cs"/>
+                      </a:endParaRPr>
+                    </a:p>
+                    <a:p>
+                      <a:r>
+                        <a:rPr lang="it-IT" sz="1800" b="0" i="0" u="none" kern="1200" dirty="0">
+                          <a:solidFill>
+                            <a:schemeClr val="tx1"/>
+                          </a:solidFill>
+                          <a:effectLst/>
+                          <a:latin typeface="+mn-lt"/>
+                          <a:ea typeface="+mn-ea"/>
+                          <a:cs typeface="+mn-cs"/>
+                        </a:rPr>
+                        <a:t>,</a:t>
+                      </a:r>
+                      <a:r>
+                        <a:rPr lang="it-IT" sz="1800" b="0" i="0" u="none" strike="noStrike" kern="1200" dirty="0">
+                          <a:solidFill>
+                            <a:schemeClr val="tx1"/>
+                          </a:solidFill>
+                          <a:effectLst/>
+                          <a:latin typeface="+mn-lt"/>
+                          <a:ea typeface="+mn-ea"/>
+                          <a:cs typeface="+mn-cs"/>
+                          <a:hlinkClick r:id="rId7">
+                            <a:extLst>
+                              <a:ext uri="{A12FA001-AC4F-418D-AE19-62706E023703}">
+                                <ahyp:hlinkClr xmlns:ahyp="http://schemas.microsoft.com/office/drawing/2018/hyperlinkcolor" val="tx"/>
+                              </a:ext>
+                            </a:extLst>
+                          </a:hlinkClick>
+                        </a:rPr>
+                        <a:t>Rocco Frondizi</a:t>
+                      </a:r>
+                      <a:endParaRPr lang="it-IT" sz="1800" b="0" i="0" u="none" strike="noStrike" kern="1200" dirty="0">
+                        <a:solidFill>
+                          <a:schemeClr val="tx1"/>
+                        </a:solidFill>
+                        <a:effectLst/>
+                        <a:latin typeface="+mn-lt"/>
+                        <a:ea typeface="+mn-ea"/>
+                        <a:cs typeface="+mn-cs"/>
+                      </a:endParaRPr>
+                    </a:p>
+                    <a:p>
+                      <a:r>
+                        <a:rPr lang="it-IT" sz="1800" b="0" i="0" u="none" kern="1200" dirty="0">
+                          <a:solidFill>
+                            <a:schemeClr val="tx1"/>
+                          </a:solidFill>
+                          <a:effectLst/>
+                          <a:latin typeface="+mn-lt"/>
+                          <a:ea typeface="+mn-ea"/>
+                          <a:cs typeface="+mn-cs"/>
+                        </a:rPr>
+                        <a:t> &amp;</a:t>
+                      </a:r>
+                      <a:r>
+                        <a:rPr lang="it-IT" sz="1800" b="0" i="0" u="none" strike="noStrike" kern="1200" dirty="0">
+                          <a:solidFill>
+                            <a:schemeClr val="tx1"/>
+                          </a:solidFill>
+                          <a:effectLst/>
+                          <a:latin typeface="+mn-lt"/>
+                          <a:ea typeface="+mn-ea"/>
+                          <a:cs typeface="+mn-cs"/>
+                          <a:hlinkClick r:id="rId8">
+                            <a:extLst>
+                              <a:ext uri="{A12FA001-AC4F-418D-AE19-62706E023703}">
+                                <ahyp:hlinkClr xmlns:ahyp="http://schemas.microsoft.com/office/drawing/2018/hyperlinkcolor" val="tx"/>
+                              </a:ext>
+                            </a:extLst>
+                          </a:hlinkClick>
+                        </a:rPr>
+                        <a:t>Marco Meneguzzo</a:t>
+                      </a:r>
+                      <a:endParaRPr lang="it-IT" sz="1800" b="0" i="0" u="none" strike="noStrike" kern="1200" dirty="0">
+                        <a:solidFill>
+                          <a:schemeClr val="tx1"/>
+                        </a:solidFill>
+                        <a:effectLst/>
+                        <a:latin typeface="+mn-lt"/>
+                        <a:ea typeface="+mn-ea"/>
+                        <a:cs typeface="+mn-cs"/>
+                      </a:endParaRPr>
+                    </a:p>
+                    <a:p>
+                      <a:endParaRPr lang="en-IN" dirty="0"/>
+                    </a:p>
+                  </a:txBody>
+                  <a:tcPr/>
+                </a:tc>
+                <a:tc>
+                  <a:txBody>
+                    <a:bodyPr/>
+                    <a:lstStyle/>
+                    <a:p>
+                      <a:r>
+                        <a:rPr lang="en-IN" dirty="0"/>
+                        <a:t>22 March 2018</a:t>
+                      </a:r>
+                    </a:p>
+                  </a:txBody>
+                  <a:tcPr/>
+                </a:tc>
+                <a:extLst>
+                  <a:ext uri="{0D108BD9-81ED-4DB2-BD59-A6C34878D82A}">
+                    <a16:rowId xmlns:a16="http://schemas.microsoft.com/office/drawing/2014/main" val="4087782886"/>
+                  </a:ext>
+                </a:extLst>
+              </a:tr>
+              <a:tr h="1397218">
+                <a:tc>
+                  <a:txBody>
+                    <a:bodyPr/>
+                    <a:lstStyle/>
+                    <a:p>
+                      <a:pPr marL="0" marR="0" lvl="0" indent="0" algn="l" defTabSz="914400" rtl="0" eaLnBrk="1" fontAlgn="auto" latinLnBrk="0" hangingPunct="1">
+                        <a:lnSpc>
+                          <a:spcPct val="100000"/>
+                        </a:lnSpc>
+                        <a:spcBef>
+                          <a:spcPts val="0"/>
+                        </a:spcBef>
+                        <a:spcAft>
+                          <a:spcPts val="0"/>
+                        </a:spcAft>
+                        <a:buClrTx/>
+                        <a:buSzTx/>
+                        <a:buFontTx/>
+                        <a:buNone/>
+                        <a:tabLst/>
+                        <a:defRPr/>
+                      </a:pPr>
+                      <a:r>
+                        <a:rPr lang="en-US" sz="1800" b="0" i="0" kern="1200" dirty="0">
+                          <a:solidFill>
+                            <a:schemeClr val="dk1"/>
+                          </a:solidFill>
+                          <a:effectLst/>
+                          <a:latin typeface="+mn-lt"/>
+                          <a:ea typeface="+mn-ea"/>
+                          <a:cs typeface="+mn-cs"/>
+                        </a:rPr>
+                        <a:t>Empowering Education with Crowdfunding: The Role of Crowdfunded Resources and Crowd Screening</a:t>
+                      </a:r>
+                    </a:p>
+                    <a:p>
+                      <a:endParaRPr lang="en-IN" b="0" dirty="0"/>
+                    </a:p>
+                  </a:txBody>
+                  <a:tcPr/>
+                </a:tc>
+                <a:tc>
+                  <a:txBody>
+                    <a:bodyPr/>
+                    <a:lstStyle/>
+                    <a:p>
+                      <a:r>
+                        <a:rPr lang="en-IN" sz="1800" b="0" i="0" u="sng" kern="1200" dirty="0">
+                          <a:solidFill>
+                            <a:schemeClr val="tx1"/>
+                          </a:solidFill>
+                          <a:effectLst/>
+                          <a:latin typeface="+mn-lt"/>
+                          <a:ea typeface="+mn-ea"/>
+                          <a:cs typeface="+mn-cs"/>
+                          <a:hlinkClick r:id="rId9">
+                            <a:extLst>
+                              <a:ext uri="{A12FA001-AC4F-418D-AE19-62706E023703}">
+                                <ahyp:hlinkClr xmlns:ahyp="http://schemas.microsoft.com/office/drawing/2018/hyperlinkcolor" val="tx"/>
+                              </a:ext>
+                            </a:extLst>
+                          </a:hlinkClick>
+                        </a:rPr>
+                        <a:t>Chen Zhou</a:t>
+                      </a:r>
+                      <a:r>
+                        <a:rPr lang="en-IN" sz="1800" b="0" i="0" kern="1200" dirty="0">
+                          <a:solidFill>
+                            <a:schemeClr val="tx1"/>
+                          </a:solidFill>
+                          <a:effectLst/>
+                          <a:latin typeface="+mn-lt"/>
+                          <a:ea typeface="+mn-ea"/>
+                          <a:cs typeface="+mn-cs"/>
+                        </a:rPr>
+                        <a:t>, </a:t>
+                      </a:r>
+                      <a:r>
+                        <a:rPr lang="en-IN" sz="1800" b="0" i="0" u="none" strike="noStrike" kern="1200" dirty="0">
+                          <a:solidFill>
+                            <a:schemeClr val="tx1"/>
+                          </a:solidFill>
+                          <a:effectLst/>
+                          <a:latin typeface="+mn-lt"/>
+                          <a:ea typeface="+mn-ea"/>
+                          <a:cs typeface="+mn-cs"/>
+                          <a:hlinkClick r:id="rId10">
+                            <a:extLst>
+                              <a:ext uri="{A12FA001-AC4F-418D-AE19-62706E023703}">
+                                <ahyp:hlinkClr xmlns:ahyp="http://schemas.microsoft.com/office/drawing/2018/hyperlinkcolor" val="tx"/>
+                              </a:ext>
+                            </a:extLst>
+                          </a:hlinkClick>
+                        </a:rPr>
+                        <a:t>Manpreet Gill</a:t>
+                      </a:r>
+                      <a:r>
+                        <a:rPr lang="en-IN" sz="1800" b="0" i="0" kern="1200" dirty="0">
+                          <a:solidFill>
+                            <a:schemeClr val="tx1"/>
+                          </a:solidFill>
+                          <a:effectLst/>
+                          <a:latin typeface="+mn-lt"/>
+                          <a:ea typeface="+mn-ea"/>
+                          <a:cs typeface="+mn-cs"/>
+                        </a:rPr>
+                        <a:t>, </a:t>
+                      </a:r>
+                      <a:r>
+                        <a:rPr lang="en-IN" sz="1800" b="0" i="0" u="none" strike="noStrike" kern="1200" dirty="0" err="1">
+                          <a:solidFill>
+                            <a:srgbClr val="9454C3"/>
+                          </a:solidFill>
+                          <a:effectLst/>
+                          <a:latin typeface="+mn-lt"/>
+                          <a:ea typeface="+mn-ea"/>
+                          <a:cs typeface="+mn-cs"/>
+                          <a:hlinkClick r:id="rId11">
+                            <a:extLst>
+                              <a:ext uri="{A12FA001-AC4F-418D-AE19-62706E023703}">
+                                <ahyp:hlinkClr xmlns:ahyp="http://schemas.microsoft.com/office/drawing/2018/hyperlinkcolor" val="tx"/>
+                              </a:ext>
+                            </a:extLst>
+                          </a:hlinkClick>
+                        </a:rPr>
+                        <a:t>Qiang</a:t>
+                      </a:r>
+                      <a:r>
+                        <a:rPr lang="en-IN" sz="1800" b="0" i="0" u="none" strike="noStrike" kern="1200" dirty="0">
+                          <a:solidFill>
+                            <a:schemeClr val="tx1"/>
+                          </a:solidFill>
+                          <a:effectLst/>
+                          <a:latin typeface="+mn-lt"/>
+                          <a:ea typeface="+mn-ea"/>
+                          <a:cs typeface="+mn-cs"/>
+                          <a:hlinkClick r:id="rId11">
+                            <a:extLst>
+                              <a:ext uri="{A12FA001-AC4F-418D-AE19-62706E023703}">
+                                <ahyp:hlinkClr xmlns:ahyp="http://schemas.microsoft.com/office/drawing/2018/hyperlinkcolor" val="tx"/>
+                              </a:ext>
+                            </a:extLst>
+                          </a:hlinkClick>
+                        </a:rPr>
+                        <a:t> Liu</a:t>
+                      </a:r>
+                      <a:endParaRPr lang="en-IN" b="1" dirty="0">
+                        <a:solidFill>
+                          <a:schemeClr val="tx1"/>
+                        </a:solidFill>
+                      </a:endParaRPr>
+                    </a:p>
+                  </a:txBody>
+                  <a:tcPr/>
+                </a:tc>
+                <a:tc>
+                  <a:txBody>
+                    <a:bodyPr/>
+                    <a:lstStyle/>
+                    <a:p>
+                      <a:r>
+                        <a:rPr lang="en-IN" dirty="0"/>
+                        <a:t>November 2 2021</a:t>
+                      </a:r>
+                    </a:p>
+                  </a:txBody>
+                  <a:tcPr/>
+                </a:tc>
+                <a:extLst>
+                  <a:ext uri="{0D108BD9-81ED-4DB2-BD59-A6C34878D82A}">
+                    <a16:rowId xmlns:a16="http://schemas.microsoft.com/office/drawing/2014/main" val="2444474451"/>
+                  </a:ext>
+                </a:extLst>
+              </a:tr>
+              <a:tr h="873261">
+                <a:tc>
+                  <a:txBody>
+                    <a:bodyPr/>
+                    <a:lstStyle/>
+                    <a:p>
+                      <a:r>
+                        <a:rPr lang="en-US" sz="1800" b="0" i="0" u="none" strike="noStrike" kern="1200" dirty="0">
+                          <a:solidFill>
+                            <a:schemeClr val="tx1"/>
+                          </a:solidFill>
+                          <a:effectLst/>
+                          <a:latin typeface="+mn-lt"/>
+                          <a:ea typeface="+mn-ea"/>
+                          <a:cs typeface="+mn-cs"/>
+                        </a:rPr>
+                        <a:t>How to Use Crowdfunding in Extension: A Relationship Education Example</a:t>
+                      </a:r>
+                      <a:endParaRPr lang="en-IN" b="0" u="none" dirty="0">
+                        <a:solidFill>
+                          <a:schemeClr val="tx1"/>
+                        </a:solidFill>
+                      </a:endParaRPr>
+                    </a:p>
+                  </a:txBody>
+                  <a:tcPr/>
+                </a:tc>
+                <a:tc>
+                  <a:txBody>
+                    <a:bodyPr/>
+                    <a:lstStyle/>
+                    <a:p>
+                      <a:r>
+                        <a:rPr lang="en-US" sz="1800" b="1" i="0" u="sng" kern="1200" dirty="0">
+                          <a:solidFill>
+                            <a:srgbClr val="9454C3"/>
+                          </a:solidFill>
+                          <a:effectLst/>
+                          <a:latin typeface="+mn-lt"/>
+                          <a:ea typeface="+mn-ea"/>
+                          <a:cs typeface="+mn-cs"/>
+                        </a:rPr>
+                        <a:t>J. Kale Monk</a:t>
+                      </a:r>
+                      <a:r>
+                        <a:rPr lang="en-US" sz="1800" b="0" i="0" u="sng" kern="1200" dirty="0">
+                          <a:solidFill>
+                            <a:srgbClr val="9454C3"/>
+                          </a:solidFill>
+                          <a:effectLst/>
+                          <a:latin typeface="+mn-lt"/>
+                          <a:ea typeface="+mn-ea"/>
+                          <a:cs typeface="+mn-cs"/>
+                        </a:rPr>
+                        <a:t>, </a:t>
+                      </a:r>
+                      <a:r>
+                        <a:rPr lang="en-US" sz="1800" b="0" i="1" u="sng" kern="1200" dirty="0">
+                          <a:solidFill>
+                            <a:schemeClr val="tx1"/>
+                          </a:solidFill>
+                          <a:effectLst/>
+                          <a:latin typeface="+mn-lt"/>
+                          <a:ea typeface="+mn-ea"/>
+                          <a:cs typeface="+mn-cs"/>
+                        </a:rPr>
+                        <a:t>University of Missouri</a:t>
+                      </a:r>
+                    </a:p>
+                    <a:p>
+                      <a:r>
+                        <a:rPr lang="en-US" sz="1800" b="1" i="0" u="sng" kern="1200" dirty="0">
+                          <a:solidFill>
+                            <a:srgbClr val="9454C3"/>
+                          </a:solidFill>
+                          <a:effectLst/>
+                          <a:latin typeface="+mn-lt"/>
+                          <a:ea typeface="+mn-ea"/>
+                          <a:cs typeface="+mn-cs"/>
+                        </a:rPr>
+                        <a:t>Amber V. </a:t>
+                      </a:r>
+                      <a:r>
+                        <a:rPr lang="en-US" sz="1800" b="1" i="0" u="sng" kern="1200" dirty="0" err="1">
+                          <a:solidFill>
+                            <a:srgbClr val="9454C3"/>
+                          </a:solidFill>
+                          <a:effectLst/>
+                          <a:latin typeface="+mn-lt"/>
+                          <a:ea typeface="+mn-ea"/>
+                          <a:cs typeface="+mn-cs"/>
+                        </a:rPr>
+                        <a:t>Vennum</a:t>
+                      </a:r>
+                      <a:r>
+                        <a:rPr lang="en-US" sz="1800" b="0" i="0" u="sng" kern="1200" dirty="0">
+                          <a:solidFill>
+                            <a:srgbClr val="9454C3"/>
+                          </a:solidFill>
+                          <a:effectLst/>
+                          <a:latin typeface="+mn-lt"/>
+                          <a:ea typeface="+mn-ea"/>
+                          <a:cs typeface="+mn-cs"/>
+                        </a:rPr>
+                        <a:t>, </a:t>
+                      </a:r>
+                      <a:r>
+                        <a:rPr lang="en-US" sz="1800" b="0" i="1" u="sng" kern="1200" dirty="0">
+                          <a:solidFill>
+                            <a:schemeClr val="tx1"/>
+                          </a:solidFill>
+                          <a:effectLst/>
+                          <a:latin typeface="+mn-lt"/>
+                          <a:ea typeface="+mn-ea"/>
+                          <a:cs typeface="+mn-cs"/>
+                        </a:rPr>
+                        <a:t>Kansas State University</a:t>
+                      </a:r>
+                      <a:br>
+                        <a:rPr lang="en-US" dirty="0">
+                          <a:solidFill>
+                            <a:schemeClr val="tx1"/>
+                          </a:solidFill>
+                        </a:rPr>
+                      </a:br>
+                      <a:endParaRPr lang="en-IN" b="1" dirty="0">
+                        <a:solidFill>
+                          <a:schemeClr val="tx1"/>
+                        </a:solidFill>
+                      </a:endParaRPr>
+                    </a:p>
+                  </a:txBody>
+                  <a:tcPr/>
+                </a:tc>
+                <a:tc>
+                  <a:txBody>
+                    <a:bodyPr/>
+                    <a:lstStyle/>
+                    <a:p>
+                      <a:r>
+                        <a:rPr lang="en-IN" dirty="0"/>
+                        <a:t>March 01 2021</a:t>
+                      </a:r>
+                    </a:p>
+                  </a:txBody>
+                  <a:tcPr/>
+                </a:tc>
+                <a:extLst>
+                  <a:ext uri="{0D108BD9-81ED-4DB2-BD59-A6C34878D82A}">
+                    <a16:rowId xmlns:a16="http://schemas.microsoft.com/office/drawing/2014/main" val="3115533123"/>
+                  </a:ext>
+                </a:extLst>
+              </a:tr>
+            </a:tbl>
+          </a:graphicData>
+        </a:graphic>
+      </p:graphicFrame>
+    </p:spTree>
+    <p:extLst>
+      <p:ext uri="{BB962C8B-B14F-4D97-AF65-F5344CB8AC3E}">
+        <p14:creationId xmlns:p14="http://schemas.microsoft.com/office/powerpoint/2010/main" val="4193964061"/>
       </p:ext>
     </p:extLst>
   </p:cSld>
@@ -12516,15 +13808,6 @@
 </file>
 
 <file path=customXml/item1.xml><?xml version="1.0" encoding="utf-8"?>
-<?mso-contentType ?>
-<FormTemplates xmlns="http://schemas.microsoft.com/sharepoint/v3/contenttype/forms">
-  <Display>DocumentLibraryForm</Display>
-  <Edit>DocumentLibraryForm</Edit>
-  <New>DocumentLibraryForm</New>
-</FormTemplates>
-</file>
-
-<file path=customXml/item2.xml><?xml version="1.0" encoding="utf-8"?>
 <ct:contentTypeSchema xmlns:ct="http://schemas.microsoft.com/office/2006/metadata/contentType" xmlns:ma="http://schemas.microsoft.com/office/2006/metadata/properties/metaAttributes" ct:_="" ma:_="" ma:contentTypeName="Document" ma:contentTypeID="0x01010079F111ED35F8CC479449609E8A0923A6" ma:contentTypeVersion="12" ma:contentTypeDescription="Create a new document." ma:contentTypeScope="" ma:versionID="426e97fa315356fffbdcd9876fe988c2">
   <xsd:schema xmlns:xsd="http://www.w3.org/2001/XMLSchema" xmlns:xs="http://www.w3.org/2001/XMLSchema" xmlns:p="http://schemas.microsoft.com/office/2006/metadata/properties" xmlns:ns2="71af3243-3dd4-4a8d-8c0d-dd76da1f02a5" xmlns:ns3="16c05727-aa75-4e4a-9b5f-8a80a1165891" targetNamespace="http://schemas.microsoft.com/office/2006/metadata/properties" ma:root="true" ma:fieldsID="14b8f0def80e6d70ce3def20c90759ae" ns2:_="" ns3:_="">
     <xsd:import namespace="71af3243-3dd4-4a8d-8c0d-dd76da1f02a5"/>
@@ -12745,6 +14028,15 @@
 </ct:contentTypeSchema>
 </file>
 
+<file path=customXml/item2.xml><?xml version="1.0" encoding="utf-8"?>
+<?mso-contentType ?>
+<FormTemplates xmlns="http://schemas.microsoft.com/sharepoint/v3/contenttype/forms">
+  <Display>DocumentLibraryForm</Display>
+  <Edit>DocumentLibraryForm</Edit>
+  <New>DocumentLibraryForm</New>
+</FormTemplates>
+</file>
+
 <file path=customXml/item3.xml><?xml version="1.0" encoding="utf-8"?>
 <p:properties xmlns:p="http://schemas.microsoft.com/office/2006/metadata/properties" xmlns:xsi="http://www.w3.org/2001/XMLSchema-instance" xmlns:pc="http://schemas.microsoft.com/office/infopath/2007/PartnerControls">
   <documentManagement>
@@ -12755,14 +14047,6 @@
 </file>
 
 <file path=customXml/itemProps1.xml><?xml version="1.0" encoding="utf-8"?>
-<ds:datastoreItem xmlns:ds="http://schemas.openxmlformats.org/officeDocument/2006/customXml" ds:itemID="{05D99ABA-76CE-4A8E-B5F0-C051B96628DE}">
-  <ds:schemaRefs>
-    <ds:schemaRef ds:uri="http://schemas.microsoft.com/sharepoint/v3/contenttype/forms"/>
-  </ds:schemaRefs>
-</ds:datastoreItem>
-</file>
-
-<file path=customXml/itemProps2.xml><?xml version="1.0" encoding="utf-8"?>
 <ds:datastoreItem xmlns:ds="http://schemas.openxmlformats.org/officeDocument/2006/customXml" ds:itemID="{B19EB750-A6DA-4BE8-B87B-FC499FE73360}">
   <ds:schemaRefs>
     <ds:schemaRef ds:uri="http://schemas.microsoft.com/office/2006/metadata/contentType"/>
@@ -12781,6 +14065,14 @@
 </ds:datastoreItem>
 </file>
 
+<file path=customXml/itemProps2.xml><?xml version="1.0" encoding="utf-8"?>
+<ds:datastoreItem xmlns:ds="http://schemas.openxmlformats.org/officeDocument/2006/customXml" ds:itemID="{05D99ABA-76CE-4A8E-B5F0-C051B96628DE}">
+  <ds:schemaRefs>
+    <ds:schemaRef ds:uri="http://schemas.microsoft.com/sharepoint/v3/contenttype/forms"/>
+  </ds:schemaRefs>
+</ds:datastoreItem>
+</file>
+
 <file path=customXml/itemProps3.xml><?xml version="1.0" encoding="utf-8"?>
 <ds:datastoreItem xmlns:ds="http://schemas.openxmlformats.org/officeDocument/2006/customXml" ds:itemID="{4DEA9014-ED64-4558-B1E1-D03F0EE32BEB}">
   <ds:schemaRefs>

--- a/Other/Project Review - Chapter  2 Episode 1.pptx
+++ b/Other/Project Review - Chapter  2 Episode 1.pptx
@@ -5,19 +5,18 @@
     <p:sldMasterId id="2147483648" r:id="rId4"/>
   </p:sldMasterIdLst>
   <p:notesMasterIdLst>
-    <p:notesMasterId r:id="rId12"/>
+    <p:notesMasterId r:id="rId11"/>
   </p:notesMasterIdLst>
   <p:handoutMasterIdLst>
-    <p:handoutMasterId r:id="rId13"/>
+    <p:handoutMasterId r:id="rId12"/>
   </p:handoutMasterIdLst>
   <p:sldIdLst>
     <p:sldId id="324" r:id="rId5"/>
     <p:sldId id="302" r:id="rId6"/>
     <p:sldId id="314" r:id="rId7"/>
     <p:sldId id="315" r:id="rId8"/>
-    <p:sldId id="312" r:id="rId9"/>
-    <p:sldId id="325" r:id="rId10"/>
-    <p:sldId id="313" r:id="rId11"/>
+    <p:sldId id="325" r:id="rId9"/>
+    <p:sldId id="313" r:id="rId10"/>
   </p:sldIdLst>
   <p:sldSz cx="12192000" cy="6858000"/>
   <p:notesSz cx="6858000" cy="9144000"/>
@@ -247,7 +246,7 @@
           <a:p>
             <a:fld id="{EF1077DB-935E-4A0A-947A-D283B9F9F452}" type="datetimeFigureOut">
               <a:rPr lang="en-US" smtClean="0"/>
-              <a:t>4/2/2022</a:t>
+              <a:t>6/11/2022</a:t>
             </a:fld>
             <a:endParaRPr lang="en-US" dirty="0"/>
           </a:p>
@@ -424,7 +423,7 @@
           <a:p>
             <a:fld id="{2D9EC30E-1A71-4188-9BE7-E2A64929A436}" type="datetimeFigureOut">
               <a:rPr lang="en-US" noProof="0" smtClean="0"/>
-              <a:t>4/2/2022</a:t>
+              <a:t>6/11/2022</a:t>
             </a:fld>
             <a:endParaRPr lang="en-US" noProof="0" dirty="0"/>
           </a:p>
@@ -1071,7 +1070,7 @@
           <a:bodyPr/>
           <a:lstStyle/>
           <a:p>
-            <a:endParaRPr lang="en-US" dirty="0"/>
+            <a:endParaRPr lang="en-IN"/>
           </a:p>
         </p:txBody>
       </p:sp>
@@ -1093,90 +1092,6 @@
             <a:fld id="{8530193B-564F-4854-8A52-728F3FB19C85}" type="slidenum">
               <a:rPr lang="en-US" noProof="0" smtClean="0"/>
               <a:t>5</a:t>
-            </a:fld>
-            <a:endParaRPr lang="en-US" noProof="0" dirty="0"/>
-          </a:p>
-        </p:txBody>
-      </p:sp>
-    </p:spTree>
-    <p:extLst>
-      <p:ext uri="{BB962C8B-B14F-4D97-AF65-F5344CB8AC3E}">
-        <p14:creationId xmlns:p14="http://schemas.microsoft.com/office/powerpoint/2010/main" val="3397440489"/>
-      </p:ext>
-    </p:extLst>
-  </p:cSld>
-  <p:clrMapOvr>
-    <a:masterClrMapping/>
-  </p:clrMapOvr>
-</p:notes>
-</file>
-
-<file path=ppt/notesSlides/notesSlide6.xml><?xml version="1.0" encoding="utf-8"?>
-<p:notes xmlns:a="http://schemas.openxmlformats.org/drawingml/2006/main" xmlns:r="http://schemas.openxmlformats.org/officeDocument/2006/relationships" xmlns:p="http://schemas.openxmlformats.org/presentationml/2006/main">
-  <p:cSld>
-    <p:spTree>
-      <p:nvGrpSpPr>
-        <p:cNvPr id="1" name=""/>
-        <p:cNvGrpSpPr/>
-        <p:nvPr/>
-      </p:nvGrpSpPr>
-      <p:grpSpPr>
-        <a:xfrm>
-          <a:off x="0" y="0"/>
-          <a:ext cx="0" cy="0"/>
-          <a:chOff x="0" y="0"/>
-          <a:chExt cx="0" cy="0"/>
-        </a:xfrm>
-      </p:grpSpPr>
-      <p:sp>
-        <p:nvSpPr>
-          <p:cNvPr id="2" name="Slide Image Placeholder 1"/>
-          <p:cNvSpPr>
-            <a:spLocks noGrp="1" noRot="1" noChangeAspect="1"/>
-          </p:cNvSpPr>
-          <p:nvPr>
-            <p:ph type="sldImg"/>
-          </p:nvPr>
-        </p:nvSpPr>
-        <p:spPr/>
-      </p:sp>
-      <p:sp>
-        <p:nvSpPr>
-          <p:cNvPr id="3" name="Notes Placeholder 2"/>
-          <p:cNvSpPr>
-            <a:spLocks noGrp="1"/>
-          </p:cNvSpPr>
-          <p:nvPr>
-            <p:ph type="body" idx="1"/>
-          </p:nvPr>
-        </p:nvSpPr>
-        <p:spPr/>
-        <p:txBody>
-          <a:bodyPr/>
-          <a:lstStyle/>
-          <a:p>
-            <a:endParaRPr lang="en-IN"/>
-          </a:p>
-        </p:txBody>
-      </p:sp>
-      <p:sp>
-        <p:nvSpPr>
-          <p:cNvPr id="4" name="Slide Number Placeholder 3"/>
-          <p:cNvSpPr>
-            <a:spLocks noGrp="1"/>
-          </p:cNvSpPr>
-          <p:nvPr>
-            <p:ph type="sldNum" sz="quarter" idx="5"/>
-          </p:nvPr>
-        </p:nvSpPr>
-        <p:spPr/>
-        <p:txBody>
-          <a:bodyPr/>
-          <a:lstStyle/>
-          <a:p>
-            <a:fld id="{8530193B-564F-4854-8A52-728F3FB19C85}" type="slidenum">
-              <a:rPr lang="en-US" noProof="0" smtClean="0"/>
-              <a:t>6</a:t>
             </a:fld>
             <a:endParaRPr lang="en-US" noProof="0" dirty="0"/>
           </a:p>
@@ -10744,1228 +10659,6 @@
 </file>
 
 <file path=ppt/slides/slide5.xml><?xml version="1.0" encoding="utf-8"?>
-<p:sld xmlns:a="http://schemas.openxmlformats.org/drawingml/2006/main" xmlns:r="http://schemas.openxmlformats.org/officeDocument/2006/relationships" xmlns:p="http://schemas.openxmlformats.org/presentationml/2006/main">
-  <p:cSld>
-    <p:bg>
-      <p:bgPr>
-        <a:solidFill>
-          <a:schemeClr val="bg1">
-            <a:lumMod val="95000"/>
-          </a:schemeClr>
-        </a:solidFill>
-        <a:effectLst/>
-      </p:bgPr>
-    </p:bg>
-    <p:spTree>
-      <p:nvGrpSpPr>
-        <p:cNvPr id="1" name=""/>
-        <p:cNvGrpSpPr/>
-        <p:nvPr/>
-      </p:nvGrpSpPr>
-      <p:grpSpPr>
-        <a:xfrm>
-          <a:off x="0" y="0"/>
-          <a:ext cx="0" cy="0"/>
-          <a:chOff x="0" y="0"/>
-          <a:chExt cx="0" cy="0"/>
-        </a:xfrm>
-      </p:grpSpPr>
-      <p:sp>
-        <p:nvSpPr>
-          <p:cNvPr id="2" name="Title 1">
-            <a:extLst>
-              <a:ext uri="{FF2B5EF4-FFF2-40B4-BE49-F238E27FC236}">
-                <a16:creationId xmlns:a16="http://schemas.microsoft.com/office/drawing/2014/main" id="{1B67F211-ED25-4BED-862A-17F84B323349}"/>
-              </a:ext>
-            </a:extLst>
-          </p:cNvPr>
-          <p:cNvSpPr>
-            <a:spLocks noGrp="1"/>
-          </p:cNvSpPr>
-          <p:nvPr>
-            <p:ph type="title"/>
-          </p:nvPr>
-        </p:nvSpPr>
-        <p:spPr/>
-        <p:txBody>
-          <a:bodyPr/>
-          <a:lstStyle/>
-          <a:p>
-            <a:r>
-              <a:rPr lang="en-US" dirty="0"/>
-              <a:t>Key Points</a:t>
-            </a:r>
-            <a:br>
-              <a:rPr lang="en-US" dirty="0"/>
-            </a:br>
-            <a:endParaRPr lang="en-US" dirty="0"/>
-          </a:p>
-        </p:txBody>
-      </p:sp>
-      <p:sp>
-        <p:nvSpPr>
-          <p:cNvPr id="18" name="Hexagon 17">
-            <a:extLst>
-              <a:ext uri="{FF2B5EF4-FFF2-40B4-BE49-F238E27FC236}">
-                <a16:creationId xmlns:a16="http://schemas.microsoft.com/office/drawing/2014/main" id="{F3A0DAD0-3E39-4BBF-88E4-5C3C306DCCBB}"/>
-              </a:ext>
-              <a:ext uri="{C183D7F6-B498-43B3-948B-1728B52AA6E4}">
-                <adec:decorative xmlns:adec="http://schemas.microsoft.com/office/drawing/2017/decorative" val="1"/>
-              </a:ext>
-            </a:extLst>
-          </p:cNvPr>
-          <p:cNvSpPr/>
-          <p:nvPr/>
-        </p:nvSpPr>
-        <p:spPr>
-          <a:xfrm>
-            <a:off x="609018" y="2105016"/>
-            <a:ext cx="914400" cy="764219"/>
-          </a:xfrm>
-          <a:prstGeom prst="hexagon">
-            <a:avLst/>
-          </a:prstGeom>
-          <a:noFill/>
-          <a:ln>
-            <a:solidFill>
-              <a:schemeClr val="bg1">
-                <a:lumMod val="75000"/>
-              </a:schemeClr>
-            </a:solidFill>
-          </a:ln>
-        </p:spPr>
-        <p:style>
-          <a:lnRef idx="2">
-            <a:schemeClr val="accent1">
-              <a:shade val="50000"/>
-            </a:schemeClr>
-          </a:lnRef>
-          <a:fillRef idx="1">
-            <a:schemeClr val="accent1"/>
-          </a:fillRef>
-          <a:effectRef idx="0">
-            <a:schemeClr val="accent1"/>
-          </a:effectRef>
-          <a:fontRef idx="minor">
-            <a:schemeClr val="lt1"/>
-          </a:fontRef>
-        </p:style>
-        <p:txBody>
-          <a:bodyPr rtlCol="0" anchor="ctr"/>
-          <a:lstStyle/>
-          <a:p>
-            <a:pPr algn="ctr"/>
-            <a:endParaRPr lang="en-US" dirty="0"/>
-          </a:p>
-        </p:txBody>
-      </p:sp>
-      <p:pic>
-        <p:nvPicPr>
-          <p:cNvPr id="16" name="Graphic 15" descr="Target Audience">
-            <a:extLst>
-              <a:ext uri="{FF2B5EF4-FFF2-40B4-BE49-F238E27FC236}">
-                <a16:creationId xmlns:a16="http://schemas.microsoft.com/office/drawing/2014/main" id="{C4663C19-45BD-46CB-AA38-6CE7C4522BC9}"/>
-              </a:ext>
-            </a:extLst>
-          </p:cNvPr>
-          <p:cNvPicPr>
-            <a:picLocks noChangeAspect="1"/>
-          </p:cNvPicPr>
-          <p:nvPr/>
-        </p:nvPicPr>
-        <p:blipFill>
-          <a:blip r:embed="rId3">
-            <a:extLst>
-              <a:ext uri="{96DAC541-7B7A-43D3-8B79-37D633B846F1}">
-                <asvg:svgBlip xmlns:asvg="http://schemas.microsoft.com/office/drawing/2016/SVG/main" r:embed="rId4"/>
-              </a:ext>
-            </a:extLst>
-          </a:blip>
-          <a:stretch>
-            <a:fillRect/>
-          </a:stretch>
-        </p:blipFill>
-        <p:spPr>
-          <a:xfrm>
-            <a:off x="793513" y="2204476"/>
-            <a:ext cx="548640" cy="548640"/>
-          </a:xfrm>
-          <a:prstGeom prst="rect">
-            <a:avLst/>
-          </a:prstGeom>
-        </p:spPr>
-      </p:pic>
-      <p:sp>
-        <p:nvSpPr>
-          <p:cNvPr id="11" name="TextBox 10">
-            <a:extLst>
-              <a:ext uri="{FF2B5EF4-FFF2-40B4-BE49-F238E27FC236}">
-                <a16:creationId xmlns:a16="http://schemas.microsoft.com/office/drawing/2014/main" id="{0A302878-D117-49D8-8CD3-093E34DF215B}"/>
-              </a:ext>
-            </a:extLst>
-          </p:cNvPr>
-          <p:cNvSpPr txBox="1"/>
-          <p:nvPr/>
-        </p:nvSpPr>
-        <p:spPr>
-          <a:xfrm>
-            <a:off x="1748531" y="2125176"/>
-            <a:ext cx="3657600" cy="913070"/>
-          </a:xfrm>
-          <a:prstGeom prst="rect">
-            <a:avLst/>
-          </a:prstGeom>
-          <a:noFill/>
-        </p:spPr>
-        <p:txBody>
-          <a:bodyPr wrap="square">
-            <a:spAutoFit/>
-          </a:bodyPr>
-          <a:lstStyle/>
-          <a:p>
-            <a:pPr marL="0" marR="0" lvl="0" indent="0" algn="l" defTabSz="914400" rtl="0" eaLnBrk="1" fontAlgn="auto" latinLnBrk="0" hangingPunct="1">
-              <a:lnSpc>
-                <a:spcPct val="90000"/>
-              </a:lnSpc>
-              <a:spcBef>
-                <a:spcPts val="1000"/>
-              </a:spcBef>
-              <a:spcAft>
-                <a:spcPts val="0"/>
-              </a:spcAft>
-              <a:buClrTx/>
-              <a:buSzTx/>
-              <a:buFont typeface="Arial" panose="020B0604020202020204" pitchFamily="34" charset="0"/>
-              <a:buNone/>
-              <a:tabLst/>
-              <a:defRPr/>
-            </a:pPr>
-            <a:r>
-              <a:rPr lang="en-US" b="1" dirty="0">
-                <a:solidFill>
-                  <a:schemeClr val="accent4"/>
-                </a:solidFill>
-                <a:latin typeface="+mj-lt"/>
-                <a:cs typeface="Biome Light" panose="020B0303030204020804" pitchFamily="34" charset="0"/>
-              </a:rPr>
-              <a:t>Best under Crowd</a:t>
-            </a:r>
-          </a:p>
-          <a:p>
-            <a:pPr marL="0" marR="0" lvl="0" indent="0" algn="l" defTabSz="914400" rtl="0" eaLnBrk="1" fontAlgn="auto" latinLnBrk="0" hangingPunct="1">
-              <a:lnSpc>
-                <a:spcPct val="90000"/>
-              </a:lnSpc>
-              <a:spcBef>
-                <a:spcPts val="1000"/>
-              </a:spcBef>
-              <a:spcAft>
-                <a:spcPts val="0"/>
-              </a:spcAft>
-              <a:buClrTx/>
-              <a:buSzTx/>
-              <a:buFont typeface="Arial" panose="020B0604020202020204" pitchFamily="34" charset="0"/>
-              <a:buNone/>
-              <a:tabLst/>
-              <a:defRPr/>
-            </a:pPr>
-            <a:r>
-              <a:rPr lang="en-US" sz="1600" dirty="0">
-                <a:cs typeface="Biome Light" panose="020B0303030204020804" pitchFamily="34" charset="0"/>
-              </a:rPr>
-              <a:t>A person with skills but in need of financial aid can be easily found.</a:t>
-            </a:r>
-            <a:endParaRPr kumimoji="0" lang="en-US" sz="1600" b="0" i="0" u="none" strike="noStrike" kern="1200" cap="none" spc="0" normalizeH="0" baseline="0" noProof="0" dirty="0">
-              <a:ln>
-                <a:noFill/>
-              </a:ln>
-              <a:effectLst/>
-              <a:uLnTx/>
-              <a:uFillTx/>
-              <a:latin typeface="+mn-lt"/>
-              <a:ea typeface="+mn-ea"/>
-              <a:cs typeface="Biome Light" panose="020B0303030204020804" pitchFamily="34" charset="0"/>
-            </a:endParaRPr>
-          </a:p>
-        </p:txBody>
-      </p:sp>
-      <p:sp>
-        <p:nvSpPr>
-          <p:cNvPr id="24" name="Hexagon 23">
-            <a:extLst>
-              <a:ext uri="{FF2B5EF4-FFF2-40B4-BE49-F238E27FC236}">
-                <a16:creationId xmlns:a16="http://schemas.microsoft.com/office/drawing/2014/main" id="{B8F5A225-0C56-4A56-9265-DBE9001CCCDC}"/>
-              </a:ext>
-              <a:ext uri="{C183D7F6-B498-43B3-948B-1728B52AA6E4}">
-                <adec:decorative xmlns:adec="http://schemas.microsoft.com/office/drawing/2017/decorative" val="1"/>
-              </a:ext>
-            </a:extLst>
-          </p:cNvPr>
-          <p:cNvSpPr/>
-          <p:nvPr/>
-        </p:nvSpPr>
-        <p:spPr>
-          <a:xfrm>
-            <a:off x="6382827" y="2105016"/>
-            <a:ext cx="914400" cy="764219"/>
-          </a:xfrm>
-          <a:prstGeom prst="hexagon">
-            <a:avLst/>
-          </a:prstGeom>
-          <a:noFill/>
-          <a:ln>
-            <a:solidFill>
-              <a:schemeClr val="bg1">
-                <a:lumMod val="75000"/>
-              </a:schemeClr>
-            </a:solidFill>
-          </a:ln>
-        </p:spPr>
-        <p:style>
-          <a:lnRef idx="2">
-            <a:schemeClr val="accent1">
-              <a:shade val="50000"/>
-            </a:schemeClr>
-          </a:lnRef>
-          <a:fillRef idx="1">
-            <a:schemeClr val="accent1"/>
-          </a:fillRef>
-          <a:effectRef idx="0">
-            <a:schemeClr val="accent1"/>
-          </a:effectRef>
-          <a:fontRef idx="minor">
-            <a:schemeClr val="lt1"/>
-          </a:fontRef>
-        </p:style>
-        <p:txBody>
-          <a:bodyPr rtlCol="0" anchor="ctr"/>
-          <a:lstStyle/>
-          <a:p>
-            <a:pPr algn="ctr"/>
-            <a:endParaRPr lang="en-US" dirty="0"/>
-          </a:p>
-        </p:txBody>
-      </p:sp>
-      <p:pic>
-        <p:nvPicPr>
-          <p:cNvPr id="34" name="Graphic 33" descr="Upward trend">
-            <a:extLst>
-              <a:ext uri="{FF2B5EF4-FFF2-40B4-BE49-F238E27FC236}">
-                <a16:creationId xmlns:a16="http://schemas.microsoft.com/office/drawing/2014/main" id="{112CEB44-CF96-4193-8126-3EF3F89B2EA2}"/>
-              </a:ext>
-            </a:extLst>
-          </p:cNvPr>
-          <p:cNvPicPr>
-            <a:picLocks noChangeAspect="1"/>
-          </p:cNvPicPr>
-          <p:nvPr/>
-        </p:nvPicPr>
-        <p:blipFill>
-          <a:blip r:embed="rId5">
-            <a:extLst>
-              <a:ext uri="{96DAC541-7B7A-43D3-8B79-37D633B846F1}">
-                <asvg:svgBlip xmlns:asvg="http://schemas.microsoft.com/office/drawing/2016/SVG/main" r:embed="rId6"/>
-              </a:ext>
-            </a:extLst>
-          </a:blip>
-          <a:srcRect/>
-          <a:stretch/>
-        </p:blipFill>
-        <p:spPr>
-          <a:xfrm>
-            <a:off x="6562762" y="2203745"/>
-            <a:ext cx="548640" cy="548640"/>
-          </a:xfrm>
-          <a:prstGeom prst="rect">
-            <a:avLst/>
-          </a:prstGeom>
-        </p:spPr>
-      </p:pic>
-      <p:sp>
-        <p:nvSpPr>
-          <p:cNvPr id="7" name="TextBox 6">
-            <a:extLst>
-              <a:ext uri="{FF2B5EF4-FFF2-40B4-BE49-F238E27FC236}">
-                <a16:creationId xmlns:a16="http://schemas.microsoft.com/office/drawing/2014/main" id="{64DBD184-BCBE-4A38-8DF2-C0C550ADE4C4}"/>
-              </a:ext>
-            </a:extLst>
-          </p:cNvPr>
-          <p:cNvSpPr txBox="1"/>
-          <p:nvPr/>
-        </p:nvSpPr>
-        <p:spPr>
-          <a:xfrm>
-            <a:off x="7504293" y="2125176"/>
-            <a:ext cx="3657600" cy="913070"/>
-          </a:xfrm>
-          <a:prstGeom prst="rect">
-            <a:avLst/>
-          </a:prstGeom>
-          <a:noFill/>
-        </p:spPr>
-        <p:txBody>
-          <a:bodyPr wrap="square">
-            <a:spAutoFit/>
-          </a:bodyPr>
-          <a:lstStyle/>
-          <a:p>
-            <a:pPr marL="0" marR="0" lvl="0" indent="0" algn="l" defTabSz="914400" rtl="0" eaLnBrk="1" fontAlgn="auto" latinLnBrk="0" hangingPunct="1">
-              <a:lnSpc>
-                <a:spcPct val="90000"/>
-              </a:lnSpc>
-              <a:spcBef>
-                <a:spcPts val="1000"/>
-              </a:spcBef>
-              <a:spcAft>
-                <a:spcPts val="0"/>
-              </a:spcAft>
-              <a:buClrTx/>
-              <a:buSzTx/>
-              <a:buFont typeface="Arial" panose="020B0604020202020204" pitchFamily="34" charset="0"/>
-              <a:buNone/>
-              <a:tabLst/>
-              <a:defRPr/>
-            </a:pPr>
-            <a:r>
-              <a:rPr lang="en-US" b="1" dirty="0">
-                <a:solidFill>
-                  <a:schemeClr val="accent4"/>
-                </a:solidFill>
-                <a:latin typeface="+mj-lt"/>
-                <a:cs typeface="Biome Light" panose="020B0303030204020804" pitchFamily="34" charset="0"/>
-              </a:rPr>
-              <a:t>A</a:t>
-            </a:r>
-            <a:r>
-              <a:rPr kumimoji="0" lang="en-US" b="1" i="0" u="none" strike="noStrike" kern="1200" cap="none" spc="0" normalizeH="0" baseline="0" noProof="0" dirty="0" err="1">
-                <a:ln>
-                  <a:noFill/>
-                </a:ln>
-                <a:solidFill>
-                  <a:schemeClr val="accent4"/>
-                </a:solidFill>
-                <a:effectLst/>
-                <a:uLnTx/>
-                <a:uFillTx/>
-                <a:latin typeface="+mj-lt"/>
-                <a:ea typeface="+mn-ea"/>
-                <a:cs typeface="Biome Light" panose="020B0303030204020804" pitchFamily="34" charset="0"/>
-              </a:rPr>
-              <a:t>cadamic</a:t>
-            </a:r>
-            <a:r>
-              <a:rPr kumimoji="0" lang="en-US" b="1" i="0" u="none" strike="noStrike" kern="1200" cap="none" spc="0" normalizeH="0" baseline="0" noProof="0" dirty="0">
-                <a:ln>
-                  <a:noFill/>
-                </a:ln>
-                <a:solidFill>
-                  <a:schemeClr val="accent4"/>
-                </a:solidFill>
-                <a:effectLst/>
-                <a:uLnTx/>
-                <a:uFillTx/>
-                <a:latin typeface="+mj-lt"/>
-                <a:ea typeface="+mn-ea"/>
-                <a:cs typeface="Biome Light" panose="020B0303030204020804" pitchFamily="34" charset="0"/>
-              </a:rPr>
-              <a:t> Growth</a:t>
-            </a:r>
-          </a:p>
-          <a:p>
-            <a:pPr marL="0" marR="0" lvl="0" indent="0" algn="l" defTabSz="914400" rtl="0" eaLnBrk="1" fontAlgn="auto" latinLnBrk="0" hangingPunct="1">
-              <a:lnSpc>
-                <a:spcPct val="90000"/>
-              </a:lnSpc>
-              <a:spcBef>
-                <a:spcPts val="1000"/>
-              </a:spcBef>
-              <a:spcAft>
-                <a:spcPts val="0"/>
-              </a:spcAft>
-              <a:buClrTx/>
-              <a:buSzTx/>
-              <a:buFont typeface="Arial" panose="020B0604020202020204" pitchFamily="34" charset="0"/>
-              <a:buNone/>
-              <a:tabLst/>
-              <a:defRPr/>
-            </a:pPr>
-            <a:r>
-              <a:rPr kumimoji="0" lang="en-US" sz="1600" b="0" i="0" u="none" strike="noStrike" kern="1200" cap="none" spc="0" normalizeH="0" baseline="0" noProof="0" dirty="0">
-                <a:ln>
-                  <a:noFill/>
-                </a:ln>
-                <a:effectLst/>
-                <a:uLnTx/>
-                <a:uFillTx/>
-                <a:latin typeface="+mn-lt"/>
-                <a:ea typeface="+mn-ea"/>
-                <a:cs typeface="Biome Light" panose="020B0303030204020804" pitchFamily="34" charset="0"/>
-              </a:rPr>
-              <a:t>Emerging frameworks and libraries are being used so upgrading will be easy.</a:t>
-            </a:r>
-          </a:p>
-        </p:txBody>
-      </p:sp>
-      <p:sp>
-        <p:nvSpPr>
-          <p:cNvPr id="19" name="Hexagon 18">
-            <a:extLst>
-              <a:ext uri="{FF2B5EF4-FFF2-40B4-BE49-F238E27FC236}">
-                <a16:creationId xmlns:a16="http://schemas.microsoft.com/office/drawing/2014/main" id="{A6510D74-8CDF-4500-996B-40C07942D72B}"/>
-              </a:ext>
-              <a:ext uri="{C183D7F6-B498-43B3-948B-1728B52AA6E4}">
-                <adec:decorative xmlns:adec="http://schemas.microsoft.com/office/drawing/2017/decorative" val="1"/>
-              </a:ext>
-            </a:extLst>
-          </p:cNvPr>
-          <p:cNvSpPr/>
-          <p:nvPr/>
-        </p:nvSpPr>
-        <p:spPr>
-          <a:xfrm>
-            <a:off x="609018" y="3510536"/>
-            <a:ext cx="914400" cy="764219"/>
-          </a:xfrm>
-          <a:prstGeom prst="hexagon">
-            <a:avLst/>
-          </a:prstGeom>
-          <a:noFill/>
-          <a:ln>
-            <a:solidFill>
-              <a:schemeClr val="bg1">
-                <a:lumMod val="75000"/>
-              </a:schemeClr>
-            </a:solidFill>
-          </a:ln>
-        </p:spPr>
-        <p:style>
-          <a:lnRef idx="2">
-            <a:schemeClr val="accent1">
-              <a:shade val="50000"/>
-            </a:schemeClr>
-          </a:lnRef>
-          <a:fillRef idx="1">
-            <a:schemeClr val="accent1"/>
-          </a:fillRef>
-          <a:effectRef idx="0">
-            <a:schemeClr val="accent1"/>
-          </a:effectRef>
-          <a:fontRef idx="minor">
-            <a:schemeClr val="lt1"/>
-          </a:fontRef>
-        </p:style>
-        <p:txBody>
-          <a:bodyPr rtlCol="0" anchor="ctr"/>
-          <a:lstStyle/>
-          <a:p>
-            <a:pPr algn="ctr"/>
-            <a:endParaRPr lang="en-US" dirty="0"/>
-          </a:p>
-        </p:txBody>
-      </p:sp>
-      <p:pic>
-        <p:nvPicPr>
-          <p:cNvPr id="30" name="Graphic 29">
-            <a:extLst>
-              <a:ext uri="{FF2B5EF4-FFF2-40B4-BE49-F238E27FC236}">
-                <a16:creationId xmlns:a16="http://schemas.microsoft.com/office/drawing/2014/main" id="{245749D8-5A06-44F2-B96E-6718BBEB6C47}"/>
-              </a:ext>
-            </a:extLst>
-          </p:cNvPr>
-          <p:cNvPicPr>
-            <a:picLocks noChangeAspect="1"/>
-          </p:cNvPicPr>
-          <p:nvPr/>
-        </p:nvPicPr>
-        <p:blipFill>
-          <a:blip r:embed="rId7">
-            <a:extLst>
-              <a:ext uri="{837473B0-CC2E-450A-ABE3-18F120FF3D39}">
-                <a1611:picAttrSrcUrl xmlns:a1611="http://schemas.microsoft.com/office/drawing/2016/11/main" r:id="rId8"/>
-              </a:ext>
-            </a:extLst>
-          </a:blip>
-          <a:srcRect/>
-          <a:stretch/>
-        </p:blipFill>
-        <p:spPr>
-          <a:xfrm>
-            <a:off x="793513" y="3618467"/>
-            <a:ext cx="548640" cy="548640"/>
-          </a:xfrm>
-          <a:prstGeom prst="rect">
-            <a:avLst/>
-          </a:prstGeom>
-        </p:spPr>
-      </p:pic>
-      <p:sp>
-        <p:nvSpPr>
-          <p:cNvPr id="13" name="TextBox 12">
-            <a:extLst>
-              <a:ext uri="{FF2B5EF4-FFF2-40B4-BE49-F238E27FC236}">
-                <a16:creationId xmlns:a16="http://schemas.microsoft.com/office/drawing/2014/main" id="{E0A3F38B-310F-454B-9EF6-EF4B5FD017B0}"/>
-              </a:ext>
-            </a:extLst>
-          </p:cNvPr>
-          <p:cNvSpPr txBox="1"/>
-          <p:nvPr/>
-        </p:nvSpPr>
-        <p:spPr>
-          <a:xfrm>
-            <a:off x="1748531" y="3531563"/>
-            <a:ext cx="3657600" cy="913070"/>
-          </a:xfrm>
-          <a:prstGeom prst="rect">
-            <a:avLst/>
-          </a:prstGeom>
-          <a:noFill/>
-        </p:spPr>
-        <p:txBody>
-          <a:bodyPr wrap="square">
-            <a:spAutoFit/>
-          </a:bodyPr>
-          <a:lstStyle/>
-          <a:p>
-            <a:pPr marL="0" marR="0" lvl="0" indent="0" algn="l" defTabSz="914400" rtl="0" eaLnBrk="1" fontAlgn="auto" latinLnBrk="0" hangingPunct="1">
-              <a:lnSpc>
-                <a:spcPct val="90000"/>
-              </a:lnSpc>
-              <a:spcBef>
-                <a:spcPts val="1000"/>
-              </a:spcBef>
-              <a:spcAft>
-                <a:spcPts val="0"/>
-              </a:spcAft>
-              <a:buClrTx/>
-              <a:buSzTx/>
-              <a:buFont typeface="Arial" panose="020B0604020202020204" pitchFamily="34" charset="0"/>
-              <a:buNone/>
-              <a:tabLst/>
-              <a:defRPr/>
-            </a:pPr>
-            <a:r>
-              <a:rPr kumimoji="0" lang="en-US" b="1" i="0" u="none" strike="noStrike" kern="1200" cap="none" spc="0" normalizeH="0" baseline="0" noProof="0" dirty="0">
-                <a:ln>
-                  <a:noFill/>
-                </a:ln>
-                <a:solidFill>
-                  <a:schemeClr val="accent4"/>
-                </a:solidFill>
-                <a:effectLst/>
-                <a:uLnTx/>
-                <a:uFillTx/>
-                <a:latin typeface="+mj-lt"/>
-                <a:ea typeface="+mn-ea"/>
-                <a:cs typeface="Biome Light" panose="020B0303030204020804" pitchFamily="34" charset="0"/>
-              </a:rPr>
-              <a:t>Alumni Association</a:t>
-            </a:r>
-          </a:p>
-          <a:p>
-            <a:pPr marL="0" marR="0" lvl="0" indent="0" algn="l" defTabSz="914400" rtl="0" eaLnBrk="1" fontAlgn="auto" latinLnBrk="0" hangingPunct="1">
-              <a:lnSpc>
-                <a:spcPct val="90000"/>
-              </a:lnSpc>
-              <a:spcBef>
-                <a:spcPts val="1000"/>
-              </a:spcBef>
-              <a:spcAft>
-                <a:spcPts val="0"/>
-              </a:spcAft>
-              <a:buClrTx/>
-              <a:buSzTx/>
-              <a:buFont typeface="Arial" panose="020B0604020202020204" pitchFamily="34" charset="0"/>
-              <a:buNone/>
-              <a:tabLst/>
-              <a:defRPr/>
-            </a:pPr>
-            <a:r>
-              <a:rPr kumimoji="0" lang="en-US" sz="1600" b="0" i="0" u="none" strike="noStrike" kern="1200" cap="none" spc="0" normalizeH="0" baseline="0" noProof="0" dirty="0">
-                <a:ln>
-                  <a:noFill/>
-                </a:ln>
-                <a:effectLst/>
-                <a:uLnTx/>
-                <a:uFillTx/>
-                <a:latin typeface="+mn-lt"/>
-                <a:ea typeface="+mn-ea"/>
-                <a:cs typeface="Biome Light" panose="020B0303030204020804" pitchFamily="34" charset="0"/>
-              </a:rPr>
-              <a:t>The community will be always active with the help of alumni’s of the organization.</a:t>
-            </a:r>
-          </a:p>
-        </p:txBody>
-      </p:sp>
-      <p:sp>
-        <p:nvSpPr>
-          <p:cNvPr id="26" name="Hexagon 25">
-            <a:extLst>
-              <a:ext uri="{FF2B5EF4-FFF2-40B4-BE49-F238E27FC236}">
-                <a16:creationId xmlns:a16="http://schemas.microsoft.com/office/drawing/2014/main" id="{F73E68A5-255F-4C3B-82E4-28F5CE1AA4BA}"/>
-              </a:ext>
-              <a:ext uri="{C183D7F6-B498-43B3-948B-1728B52AA6E4}">
-                <adec:decorative xmlns:adec="http://schemas.microsoft.com/office/drawing/2017/decorative" val="1"/>
-              </a:ext>
-            </a:extLst>
-          </p:cNvPr>
-          <p:cNvSpPr/>
-          <p:nvPr/>
-        </p:nvSpPr>
-        <p:spPr>
-          <a:xfrm>
-            <a:off x="6382827" y="3510536"/>
-            <a:ext cx="914400" cy="764219"/>
-          </a:xfrm>
-          <a:prstGeom prst="hexagon">
-            <a:avLst/>
-          </a:prstGeom>
-          <a:noFill/>
-          <a:ln>
-            <a:solidFill>
-              <a:schemeClr val="bg1">
-                <a:lumMod val="75000"/>
-              </a:schemeClr>
-            </a:solidFill>
-          </a:ln>
-        </p:spPr>
-        <p:style>
-          <a:lnRef idx="2">
-            <a:schemeClr val="accent1">
-              <a:shade val="50000"/>
-            </a:schemeClr>
-          </a:lnRef>
-          <a:fillRef idx="1">
-            <a:schemeClr val="accent1"/>
-          </a:fillRef>
-          <a:effectRef idx="0">
-            <a:schemeClr val="accent1"/>
-          </a:effectRef>
-          <a:fontRef idx="minor">
-            <a:schemeClr val="lt1"/>
-          </a:fontRef>
-        </p:style>
-        <p:txBody>
-          <a:bodyPr rtlCol="0" anchor="ctr"/>
-          <a:lstStyle/>
-          <a:p>
-            <a:pPr algn="ctr"/>
-            <a:endParaRPr lang="en-US" dirty="0"/>
-          </a:p>
-        </p:txBody>
-      </p:sp>
-      <p:pic>
-        <p:nvPicPr>
-          <p:cNvPr id="36" name="Graphic 35" descr="Clipboard">
-            <a:extLst>
-              <a:ext uri="{FF2B5EF4-FFF2-40B4-BE49-F238E27FC236}">
-                <a16:creationId xmlns:a16="http://schemas.microsoft.com/office/drawing/2014/main" id="{3F4B17BF-671E-4F42-AB1B-F84F52DCE251}"/>
-              </a:ext>
-            </a:extLst>
-          </p:cNvPr>
-          <p:cNvPicPr>
-            <a:picLocks noChangeAspect="1"/>
-          </p:cNvPicPr>
-          <p:nvPr/>
-        </p:nvPicPr>
-        <p:blipFill>
-          <a:blip r:embed="rId9">
-            <a:extLst>
-              <a:ext uri="{96DAC541-7B7A-43D3-8B79-37D633B846F1}">
-                <asvg:svgBlip xmlns:asvg="http://schemas.microsoft.com/office/drawing/2016/SVG/main" r:embed="rId10"/>
-              </a:ext>
-            </a:extLst>
-          </a:blip>
-          <a:srcRect/>
-          <a:stretch/>
-        </p:blipFill>
-        <p:spPr>
-          <a:xfrm>
-            <a:off x="6573648" y="3606850"/>
-            <a:ext cx="548640" cy="548640"/>
-          </a:xfrm>
-          <a:prstGeom prst="rect">
-            <a:avLst/>
-          </a:prstGeom>
-        </p:spPr>
-      </p:pic>
-      <p:sp>
-        <p:nvSpPr>
-          <p:cNvPr id="9" name="TextBox 8">
-            <a:extLst>
-              <a:ext uri="{FF2B5EF4-FFF2-40B4-BE49-F238E27FC236}">
-                <a16:creationId xmlns:a16="http://schemas.microsoft.com/office/drawing/2014/main" id="{BBD1A11C-0D13-40D5-A96C-6C9C65FDED12}"/>
-              </a:ext>
-            </a:extLst>
-          </p:cNvPr>
-          <p:cNvSpPr txBox="1"/>
-          <p:nvPr/>
-        </p:nvSpPr>
-        <p:spPr>
-          <a:xfrm>
-            <a:off x="7504954" y="3531563"/>
-            <a:ext cx="3657600" cy="913070"/>
-          </a:xfrm>
-          <a:prstGeom prst="rect">
-            <a:avLst/>
-          </a:prstGeom>
-          <a:noFill/>
-        </p:spPr>
-        <p:txBody>
-          <a:bodyPr wrap="square">
-            <a:spAutoFit/>
-          </a:bodyPr>
-          <a:lstStyle/>
-          <a:p>
-            <a:pPr marL="0" marR="0" lvl="0" indent="0" algn="l" defTabSz="914400" rtl="0" eaLnBrk="1" fontAlgn="auto" latinLnBrk="0" hangingPunct="1">
-              <a:lnSpc>
-                <a:spcPct val="90000"/>
-              </a:lnSpc>
-              <a:spcBef>
-                <a:spcPts val="1000"/>
-              </a:spcBef>
-              <a:spcAft>
-                <a:spcPts val="0"/>
-              </a:spcAft>
-              <a:buClrTx/>
-              <a:buSzTx/>
-              <a:buFont typeface="Arial" panose="020B0604020202020204" pitchFamily="34" charset="0"/>
-              <a:buNone/>
-              <a:tabLst/>
-              <a:defRPr/>
-            </a:pPr>
-            <a:r>
-              <a:rPr kumimoji="0" lang="en-US" b="1" i="0" u="none" strike="noStrike" kern="1200" cap="none" spc="0" normalizeH="0" baseline="0" noProof="0" dirty="0">
-                <a:ln>
-                  <a:noFill/>
-                </a:ln>
-                <a:solidFill>
-                  <a:schemeClr val="accent4"/>
-                </a:solidFill>
-                <a:effectLst/>
-                <a:uLnTx/>
-                <a:uFillTx/>
-                <a:latin typeface="+mj-lt"/>
-                <a:ea typeface="+mn-ea"/>
-                <a:cs typeface="Biome Light" panose="020B0303030204020804" pitchFamily="34" charset="0"/>
-              </a:rPr>
-              <a:t>User Friendly  and Secured</a:t>
-            </a:r>
-          </a:p>
-          <a:p>
-            <a:pPr marL="0" marR="0" lvl="0" indent="0" algn="l" defTabSz="914400" rtl="0" eaLnBrk="1" fontAlgn="auto" latinLnBrk="0" hangingPunct="1">
-              <a:lnSpc>
-                <a:spcPct val="90000"/>
-              </a:lnSpc>
-              <a:spcBef>
-                <a:spcPts val="1000"/>
-              </a:spcBef>
-              <a:spcAft>
-                <a:spcPts val="0"/>
-              </a:spcAft>
-              <a:buClrTx/>
-              <a:buSzTx/>
-              <a:buFont typeface="Arial" panose="020B0604020202020204" pitchFamily="34" charset="0"/>
-              <a:buNone/>
-              <a:tabLst/>
-              <a:defRPr/>
-            </a:pPr>
-            <a:r>
-              <a:rPr kumimoji="0" lang="en-US" sz="1600" b="0" i="0" u="none" strike="noStrike" kern="1200" cap="none" spc="0" normalizeH="0" baseline="0" noProof="0" dirty="0">
-                <a:ln>
-                  <a:noFill/>
-                </a:ln>
-                <a:effectLst/>
-                <a:uLnTx/>
-                <a:uFillTx/>
-                <a:latin typeface="+mn-lt"/>
-                <a:ea typeface="+mn-ea"/>
-                <a:cs typeface="Biome Light" panose="020B0303030204020804" pitchFamily="34" charset="0"/>
-              </a:rPr>
-              <a:t>Easy to request for funds through online and easy withdrawal.</a:t>
-            </a:r>
-          </a:p>
-        </p:txBody>
-      </p:sp>
-      <p:sp>
-        <p:nvSpPr>
-          <p:cNvPr id="20" name="Hexagon 19">
-            <a:extLst>
-              <a:ext uri="{FF2B5EF4-FFF2-40B4-BE49-F238E27FC236}">
-                <a16:creationId xmlns:a16="http://schemas.microsoft.com/office/drawing/2014/main" id="{E3AEA7C5-E53C-47EB-B54E-E09414923CE6}"/>
-              </a:ext>
-              <a:ext uri="{C183D7F6-B498-43B3-948B-1728B52AA6E4}">
-                <adec:decorative xmlns:adec="http://schemas.microsoft.com/office/drawing/2017/decorative" val="1"/>
-              </a:ext>
-            </a:extLst>
-          </p:cNvPr>
-          <p:cNvSpPr/>
-          <p:nvPr/>
-        </p:nvSpPr>
-        <p:spPr>
-          <a:xfrm>
-            <a:off x="609017" y="4778318"/>
-            <a:ext cx="914400" cy="764219"/>
-          </a:xfrm>
-          <a:prstGeom prst="hexagon">
-            <a:avLst/>
-          </a:prstGeom>
-          <a:noFill/>
-          <a:ln>
-            <a:solidFill>
-              <a:schemeClr val="bg1">
-                <a:lumMod val="75000"/>
-              </a:schemeClr>
-            </a:solidFill>
-          </a:ln>
-        </p:spPr>
-        <p:style>
-          <a:lnRef idx="2">
-            <a:schemeClr val="accent1">
-              <a:shade val="50000"/>
-            </a:schemeClr>
-          </a:lnRef>
-          <a:fillRef idx="1">
-            <a:schemeClr val="accent1"/>
-          </a:fillRef>
-          <a:effectRef idx="0">
-            <a:schemeClr val="accent1"/>
-          </a:effectRef>
-          <a:fontRef idx="minor">
-            <a:schemeClr val="lt1"/>
-          </a:fontRef>
-        </p:style>
-        <p:txBody>
-          <a:bodyPr rtlCol="0" anchor="ctr"/>
-          <a:lstStyle/>
-          <a:p>
-            <a:pPr algn="ctr"/>
-            <a:endParaRPr lang="en-US" dirty="0"/>
-          </a:p>
-        </p:txBody>
-      </p:sp>
-      <p:pic>
-        <p:nvPicPr>
-          <p:cNvPr id="32" name="Graphic 31" descr="User network">
-            <a:extLst>
-              <a:ext uri="{FF2B5EF4-FFF2-40B4-BE49-F238E27FC236}">
-                <a16:creationId xmlns:a16="http://schemas.microsoft.com/office/drawing/2014/main" id="{B6919A3F-A031-4557-AAC9-0C948C6E4D6A}"/>
-              </a:ext>
-            </a:extLst>
-          </p:cNvPr>
-          <p:cNvPicPr>
-            <a:picLocks noChangeAspect="1"/>
-          </p:cNvPicPr>
-          <p:nvPr/>
-        </p:nvPicPr>
-        <p:blipFill>
-          <a:blip r:embed="rId11">
-            <a:extLst>
-              <a:ext uri="{96DAC541-7B7A-43D3-8B79-37D633B846F1}">
-                <asvg:svgBlip xmlns:asvg="http://schemas.microsoft.com/office/drawing/2016/SVG/main" r:embed="rId12"/>
-              </a:ext>
-            </a:extLst>
-          </a:blip>
-          <a:srcRect/>
-          <a:stretch/>
-        </p:blipFill>
-        <p:spPr>
-          <a:xfrm>
-            <a:off x="793513" y="4872722"/>
-            <a:ext cx="548640" cy="548640"/>
-          </a:xfrm>
-          <a:prstGeom prst="rect">
-            <a:avLst/>
-          </a:prstGeom>
-        </p:spPr>
-      </p:pic>
-      <p:sp>
-        <p:nvSpPr>
-          <p:cNvPr id="17" name="TextBox 16">
-            <a:extLst>
-              <a:ext uri="{FF2B5EF4-FFF2-40B4-BE49-F238E27FC236}">
-                <a16:creationId xmlns:a16="http://schemas.microsoft.com/office/drawing/2014/main" id="{4B6D4D59-1662-44D5-B239-F9F86487BE32}"/>
-              </a:ext>
-            </a:extLst>
-          </p:cNvPr>
-          <p:cNvSpPr txBox="1"/>
-          <p:nvPr/>
-        </p:nvSpPr>
-        <p:spPr>
-          <a:xfrm>
-            <a:off x="1748531" y="4723888"/>
-            <a:ext cx="3657600" cy="913070"/>
-          </a:xfrm>
-          <a:prstGeom prst="rect">
-            <a:avLst/>
-          </a:prstGeom>
-          <a:noFill/>
-        </p:spPr>
-        <p:txBody>
-          <a:bodyPr wrap="square">
-            <a:spAutoFit/>
-          </a:bodyPr>
-          <a:lstStyle/>
-          <a:p>
-            <a:pPr marL="0" marR="0" lvl="0" indent="0" algn="l" defTabSz="914400" rtl="0" eaLnBrk="1" fontAlgn="auto" latinLnBrk="0" hangingPunct="1">
-              <a:lnSpc>
-                <a:spcPct val="90000"/>
-              </a:lnSpc>
-              <a:spcBef>
-                <a:spcPts val="1000"/>
-              </a:spcBef>
-              <a:spcAft>
-                <a:spcPts val="0"/>
-              </a:spcAft>
-              <a:buClrTx/>
-              <a:buSzTx/>
-              <a:buFont typeface="Arial" panose="020B0604020202020204" pitchFamily="34" charset="0"/>
-              <a:buNone/>
-              <a:tabLst/>
-              <a:defRPr/>
-            </a:pPr>
-            <a:r>
-              <a:rPr kumimoji="0" lang="en-US" b="1" i="0" u="none" strike="noStrike" kern="1200" cap="none" spc="0" normalizeH="0" baseline="0" noProof="0" dirty="0">
-                <a:ln>
-                  <a:noFill/>
-                </a:ln>
-                <a:solidFill>
-                  <a:schemeClr val="accent4"/>
-                </a:solidFill>
-                <a:effectLst/>
-                <a:uLnTx/>
-                <a:uFillTx/>
-                <a:latin typeface="+mj-lt"/>
-                <a:ea typeface="+mn-ea"/>
-                <a:cs typeface="Biome Light" panose="020B0303030204020804" pitchFamily="34" charset="0"/>
-              </a:rPr>
-              <a:t>Unity is Power</a:t>
-            </a:r>
-          </a:p>
-          <a:p>
-            <a:pPr marL="0" marR="0" lvl="0" indent="0" algn="l" defTabSz="914400" rtl="0" eaLnBrk="1" fontAlgn="auto" latinLnBrk="0" hangingPunct="1">
-              <a:lnSpc>
-                <a:spcPct val="90000"/>
-              </a:lnSpc>
-              <a:spcBef>
-                <a:spcPts val="1000"/>
-              </a:spcBef>
-              <a:spcAft>
-                <a:spcPts val="0"/>
-              </a:spcAft>
-              <a:buClrTx/>
-              <a:buSzTx/>
-              <a:buFont typeface="Arial" panose="020B0604020202020204" pitchFamily="34" charset="0"/>
-              <a:buNone/>
-              <a:tabLst/>
-              <a:defRPr/>
-            </a:pPr>
-            <a:r>
-              <a:rPr lang="en-US" sz="1600" dirty="0">
-                <a:cs typeface="Biome Light" panose="020B0303030204020804" pitchFamily="34" charset="0"/>
-              </a:rPr>
-              <a:t>Every single cent donate by community members will glow a students life.</a:t>
-            </a:r>
-            <a:endParaRPr lang="en-US" sz="1600" dirty="0"/>
-          </a:p>
-        </p:txBody>
-      </p:sp>
-      <p:sp>
-        <p:nvSpPr>
-          <p:cNvPr id="28" name="Hexagon 27">
-            <a:extLst>
-              <a:ext uri="{FF2B5EF4-FFF2-40B4-BE49-F238E27FC236}">
-                <a16:creationId xmlns:a16="http://schemas.microsoft.com/office/drawing/2014/main" id="{BC618CE4-6DEC-4D26-B202-8BAAA269727E}"/>
-              </a:ext>
-              <a:ext uri="{C183D7F6-B498-43B3-948B-1728B52AA6E4}">
-                <adec:decorative xmlns:adec="http://schemas.microsoft.com/office/drawing/2017/decorative" val="1"/>
-              </a:ext>
-            </a:extLst>
-          </p:cNvPr>
-          <p:cNvSpPr/>
-          <p:nvPr/>
-        </p:nvSpPr>
-        <p:spPr>
-          <a:xfrm>
-            <a:off x="6382826" y="4778318"/>
-            <a:ext cx="914400" cy="764219"/>
-          </a:xfrm>
-          <a:prstGeom prst="hexagon">
-            <a:avLst/>
-          </a:prstGeom>
-          <a:noFill/>
-          <a:ln>
-            <a:solidFill>
-              <a:schemeClr val="bg1">
-                <a:lumMod val="75000"/>
-              </a:schemeClr>
-            </a:solidFill>
-          </a:ln>
-        </p:spPr>
-        <p:style>
-          <a:lnRef idx="2">
-            <a:schemeClr val="accent1">
-              <a:shade val="50000"/>
-            </a:schemeClr>
-          </a:lnRef>
-          <a:fillRef idx="1">
-            <a:schemeClr val="accent1"/>
-          </a:fillRef>
-          <a:effectRef idx="0">
-            <a:schemeClr val="accent1"/>
-          </a:effectRef>
-          <a:fontRef idx="minor">
-            <a:schemeClr val="lt1"/>
-          </a:fontRef>
-        </p:style>
-        <p:txBody>
-          <a:bodyPr rtlCol="0" anchor="ctr"/>
-          <a:lstStyle/>
-          <a:p>
-            <a:pPr algn="ctr"/>
-            <a:endParaRPr lang="en-US" dirty="0"/>
-          </a:p>
-        </p:txBody>
-      </p:sp>
-      <p:pic>
-        <p:nvPicPr>
-          <p:cNvPr id="38" name="Graphic 37" descr="Megaphone1">
-            <a:extLst>
-              <a:ext uri="{FF2B5EF4-FFF2-40B4-BE49-F238E27FC236}">
-                <a16:creationId xmlns:a16="http://schemas.microsoft.com/office/drawing/2014/main" id="{44B68078-72CC-45F5-9CD3-20C37D3298D8}"/>
-              </a:ext>
-            </a:extLst>
-          </p:cNvPr>
-          <p:cNvPicPr>
-            <a:picLocks noChangeAspect="1"/>
-          </p:cNvPicPr>
-          <p:nvPr/>
-        </p:nvPicPr>
-        <p:blipFill>
-          <a:blip r:embed="rId13">
-            <a:extLst>
-              <a:ext uri="{96DAC541-7B7A-43D3-8B79-37D633B846F1}">
-                <asvg:svgBlip xmlns:asvg="http://schemas.microsoft.com/office/drawing/2016/SVG/main" r:embed="rId14"/>
-              </a:ext>
-            </a:extLst>
-          </a:blip>
-          <a:srcRect/>
-          <a:stretch/>
-        </p:blipFill>
-        <p:spPr>
-          <a:xfrm>
-            <a:off x="6573648" y="4861105"/>
-            <a:ext cx="548640" cy="548640"/>
-          </a:xfrm>
-          <a:prstGeom prst="rect">
-            <a:avLst/>
-          </a:prstGeom>
-        </p:spPr>
-      </p:pic>
-      <p:sp>
-        <p:nvSpPr>
-          <p:cNvPr id="15" name="TextBox 14">
-            <a:extLst>
-              <a:ext uri="{FF2B5EF4-FFF2-40B4-BE49-F238E27FC236}">
-                <a16:creationId xmlns:a16="http://schemas.microsoft.com/office/drawing/2014/main" id="{802A63E6-17C3-4C42-AD30-C1D1236CE8C7}"/>
-              </a:ext>
-            </a:extLst>
-          </p:cNvPr>
-          <p:cNvSpPr txBox="1"/>
-          <p:nvPr/>
-        </p:nvSpPr>
-        <p:spPr>
-          <a:xfrm>
-            <a:off x="7504954" y="4723888"/>
-            <a:ext cx="3657600" cy="1134670"/>
-          </a:xfrm>
-          <a:prstGeom prst="rect">
-            <a:avLst/>
-          </a:prstGeom>
-          <a:noFill/>
-        </p:spPr>
-        <p:txBody>
-          <a:bodyPr wrap="square">
-            <a:spAutoFit/>
-          </a:bodyPr>
-          <a:lstStyle/>
-          <a:p>
-            <a:pPr marL="0" marR="0" lvl="0" indent="0" algn="l" defTabSz="914400" rtl="0" eaLnBrk="1" fontAlgn="auto" latinLnBrk="0" hangingPunct="1">
-              <a:lnSpc>
-                <a:spcPct val="90000"/>
-              </a:lnSpc>
-              <a:spcBef>
-                <a:spcPts val="1000"/>
-              </a:spcBef>
-              <a:spcAft>
-                <a:spcPts val="0"/>
-              </a:spcAft>
-              <a:buClrTx/>
-              <a:buSzTx/>
-              <a:buFont typeface="Arial" panose="020B0604020202020204" pitchFamily="34" charset="0"/>
-              <a:buNone/>
-              <a:tabLst/>
-              <a:defRPr/>
-            </a:pPr>
-            <a:r>
-              <a:rPr kumimoji="0" lang="en-US" b="1" i="0" u="none" strike="noStrike" kern="1200" cap="none" spc="0" normalizeH="0" baseline="0" noProof="0" dirty="0">
-                <a:ln>
-                  <a:noFill/>
-                </a:ln>
-                <a:solidFill>
-                  <a:schemeClr val="accent4"/>
-                </a:solidFill>
-                <a:effectLst/>
-                <a:uLnTx/>
-                <a:uFillTx/>
-                <a:latin typeface="+mj-lt"/>
-                <a:ea typeface="+mn-ea"/>
-                <a:cs typeface="Biome Light" panose="020B0303030204020804" pitchFamily="34" charset="0"/>
-              </a:rPr>
-              <a:t>Emotional Attachment</a:t>
-            </a:r>
-          </a:p>
-          <a:p>
-            <a:pPr marL="0" marR="0" lvl="0" indent="0" algn="l" defTabSz="914400" rtl="0" eaLnBrk="1" fontAlgn="auto" latinLnBrk="0" hangingPunct="1">
-              <a:lnSpc>
-                <a:spcPct val="90000"/>
-              </a:lnSpc>
-              <a:spcBef>
-                <a:spcPts val="1000"/>
-              </a:spcBef>
-              <a:spcAft>
-                <a:spcPts val="0"/>
-              </a:spcAft>
-              <a:buClrTx/>
-              <a:buSzTx/>
-              <a:buFont typeface="Arial" panose="020B0604020202020204" pitchFamily="34" charset="0"/>
-              <a:buNone/>
-              <a:tabLst/>
-              <a:defRPr/>
-            </a:pPr>
-            <a:r>
-              <a:rPr lang="en-US" sz="1600" dirty="0">
-                <a:cs typeface="Biome Light" panose="020B0303030204020804" pitchFamily="34" charset="0"/>
-              </a:rPr>
-              <a:t>Cause of emotional attachment between the students on the organization crowdfunding will be successful.</a:t>
-            </a:r>
-            <a:endParaRPr lang="en-US" sz="1600" dirty="0"/>
-          </a:p>
-        </p:txBody>
-      </p:sp>
-    </p:spTree>
-    <p:extLst>
-      <p:ext uri="{BB962C8B-B14F-4D97-AF65-F5344CB8AC3E}">
-        <p14:creationId xmlns:p14="http://schemas.microsoft.com/office/powerpoint/2010/main" val="4120671462"/>
-      </p:ext>
-    </p:extLst>
-  </p:cSld>
-  <p:clrMapOvr>
-    <a:masterClrMapping/>
-  </p:clrMapOvr>
-</p:sld>
-</file>
-
-<file path=ppt/slides/slide6.xml><?xml version="1.0" encoding="utf-8"?>
 <p:sld xmlns:a="http://schemas.openxmlformats.org/drawingml/2006/main" xmlns:r="http://schemas.openxmlformats.org/officeDocument/2006/relationships" xmlns:p="http://schemas.openxmlformats.org/presentationml/2006/main">
   <p:cSld>
     <p:spTree>
@@ -12795,7 +11488,7 @@
 </p:sld>
 </file>
 
-<file path=ppt/slides/slide7.xml><?xml version="1.0" encoding="utf-8"?>
+<file path=ppt/slides/slide6.xml><?xml version="1.0" encoding="utf-8"?>
 <p:sld xmlns:a="http://schemas.openxmlformats.org/drawingml/2006/main" xmlns:r="http://schemas.openxmlformats.org/officeDocument/2006/relationships" xmlns:p="http://schemas.openxmlformats.org/presentationml/2006/main">
   <p:cSld>
     <p:bg>
@@ -13808,6 +12501,15 @@
 </file>
 
 <file path=customXml/item1.xml><?xml version="1.0" encoding="utf-8"?>
+<?mso-contentType ?>
+<FormTemplates xmlns="http://schemas.microsoft.com/sharepoint/v3/contenttype/forms">
+  <Display>DocumentLibraryForm</Display>
+  <Edit>DocumentLibraryForm</Edit>
+  <New>DocumentLibraryForm</New>
+</FormTemplates>
+</file>
+
+<file path=customXml/item2.xml><?xml version="1.0" encoding="utf-8"?>
 <ct:contentTypeSchema xmlns:ct="http://schemas.microsoft.com/office/2006/metadata/contentType" xmlns:ma="http://schemas.microsoft.com/office/2006/metadata/properties/metaAttributes" ct:_="" ma:_="" ma:contentTypeName="Document" ma:contentTypeID="0x01010079F111ED35F8CC479449609E8A0923A6" ma:contentTypeVersion="12" ma:contentTypeDescription="Create a new document." ma:contentTypeScope="" ma:versionID="426e97fa315356fffbdcd9876fe988c2">
   <xsd:schema xmlns:xsd="http://www.w3.org/2001/XMLSchema" xmlns:xs="http://www.w3.org/2001/XMLSchema" xmlns:p="http://schemas.microsoft.com/office/2006/metadata/properties" xmlns:ns2="71af3243-3dd4-4a8d-8c0d-dd76da1f02a5" xmlns:ns3="16c05727-aa75-4e4a-9b5f-8a80a1165891" targetNamespace="http://schemas.microsoft.com/office/2006/metadata/properties" ma:root="true" ma:fieldsID="14b8f0def80e6d70ce3def20c90759ae" ns2:_="" ns3:_="">
     <xsd:import namespace="71af3243-3dd4-4a8d-8c0d-dd76da1f02a5"/>
@@ -14028,15 +12730,6 @@
 </ct:contentTypeSchema>
 </file>
 
-<file path=customXml/item2.xml><?xml version="1.0" encoding="utf-8"?>
-<?mso-contentType ?>
-<FormTemplates xmlns="http://schemas.microsoft.com/sharepoint/v3/contenttype/forms">
-  <Display>DocumentLibraryForm</Display>
-  <Edit>DocumentLibraryForm</Edit>
-  <New>DocumentLibraryForm</New>
-</FormTemplates>
-</file>
-
 <file path=customXml/item3.xml><?xml version="1.0" encoding="utf-8"?>
 <p:properties xmlns:p="http://schemas.microsoft.com/office/2006/metadata/properties" xmlns:xsi="http://www.w3.org/2001/XMLSchema-instance" xmlns:pc="http://schemas.microsoft.com/office/infopath/2007/PartnerControls">
   <documentManagement>
@@ -14047,6 +12740,14 @@
 </file>
 
 <file path=customXml/itemProps1.xml><?xml version="1.0" encoding="utf-8"?>
+<ds:datastoreItem xmlns:ds="http://schemas.openxmlformats.org/officeDocument/2006/customXml" ds:itemID="{05D99ABA-76CE-4A8E-B5F0-C051B96628DE}">
+  <ds:schemaRefs>
+    <ds:schemaRef ds:uri="http://schemas.microsoft.com/sharepoint/v3/contenttype/forms"/>
+  </ds:schemaRefs>
+</ds:datastoreItem>
+</file>
+
+<file path=customXml/itemProps2.xml><?xml version="1.0" encoding="utf-8"?>
 <ds:datastoreItem xmlns:ds="http://schemas.openxmlformats.org/officeDocument/2006/customXml" ds:itemID="{B19EB750-A6DA-4BE8-B87B-FC499FE73360}">
   <ds:schemaRefs>
     <ds:schemaRef ds:uri="http://schemas.microsoft.com/office/2006/metadata/contentType"/>
@@ -14065,14 +12766,6 @@
 </ds:datastoreItem>
 </file>
 
-<file path=customXml/itemProps2.xml><?xml version="1.0" encoding="utf-8"?>
-<ds:datastoreItem xmlns:ds="http://schemas.openxmlformats.org/officeDocument/2006/customXml" ds:itemID="{05D99ABA-76CE-4A8E-B5F0-C051B96628DE}">
-  <ds:schemaRefs>
-    <ds:schemaRef ds:uri="http://schemas.microsoft.com/sharepoint/v3/contenttype/forms"/>
-  </ds:schemaRefs>
-</ds:datastoreItem>
-</file>
-
 <file path=customXml/itemProps3.xml><?xml version="1.0" encoding="utf-8"?>
 <ds:datastoreItem xmlns:ds="http://schemas.openxmlformats.org/officeDocument/2006/customXml" ds:itemID="{4DEA9014-ED64-4558-B1E1-D03F0EE32BEB}">
   <ds:schemaRefs>
